--- a/Document/3_Frontend_Cordova_Netka_Commitment.pptx
+++ b/Document/3_Frontend_Cordova_Netka_Commitment.pptx
@@ -5,10 +5,10 @@
     <p:sldMasterId id="2147483884" r:id="rId1"/>
   </p:sldMasterIdLst>
   <p:notesMasterIdLst>
-    <p:notesMasterId r:id="rId9"/>
+    <p:notesMasterId r:id="rId25"/>
   </p:notesMasterIdLst>
   <p:handoutMasterIdLst>
-    <p:handoutMasterId r:id="rId10"/>
+    <p:handoutMasterId r:id="rId26"/>
   </p:handoutMasterIdLst>
   <p:sldIdLst>
     <p:sldId id="827" r:id="rId2"/>
@@ -17,7 +17,23 @@
     <p:sldId id="833" r:id="rId5"/>
     <p:sldId id="834" r:id="rId6"/>
     <p:sldId id="835" r:id="rId7"/>
-    <p:sldId id="916" r:id="rId8"/>
+    <p:sldId id="917" r:id="rId8"/>
+    <p:sldId id="918" r:id="rId9"/>
+    <p:sldId id="919" r:id="rId10"/>
+    <p:sldId id="920" r:id="rId11"/>
+    <p:sldId id="921" r:id="rId12"/>
+    <p:sldId id="922" r:id="rId13"/>
+    <p:sldId id="923" r:id="rId14"/>
+    <p:sldId id="924" r:id="rId15"/>
+    <p:sldId id="925" r:id="rId16"/>
+    <p:sldId id="926" r:id="rId17"/>
+    <p:sldId id="927" r:id="rId18"/>
+    <p:sldId id="928" r:id="rId19"/>
+    <p:sldId id="929" r:id="rId20"/>
+    <p:sldId id="930" r:id="rId21"/>
+    <p:sldId id="931" r:id="rId22"/>
+    <p:sldId id="932" r:id="rId23"/>
+    <p:sldId id="916" r:id="rId24"/>
   </p:sldIdLst>
   <p:sldSz cx="18286413" cy="10287000"/>
   <p:notesSz cx="6858000" cy="9144000"/>
@@ -236,7 +252,7 @@
           <a:p>
             <a:fld id="{20533536-0B1C-4113-81A9-88933E6B5E35}" type="datetimeFigureOut">
               <a:rPr lang="en-US" smtClean="0"/>
-              <a:t>5/5/2020</a:t>
+              <a:t>5/7/2020</a:t>
             </a:fld>
             <a:endParaRPr lang="en-US"/>
           </a:p>
@@ -401,7 +417,7 @@
           <a:p>
             <a:fld id="{28DAB2DA-10AE-4BD6-BFC1-534DE09D66C3}" type="datetimeFigureOut">
               <a:rPr lang="en-US" smtClean="0"/>
-              <a:t>5/5/2020</a:t>
+              <a:t>5/7/2020</a:t>
             </a:fld>
             <a:endParaRPr lang="en-US"/>
           </a:p>
@@ -850,7 +866,7 @@
           <a:p>
             <a:fld id="{7481ECDC-7530-4EA9-86FD-4E56342A475C}" type="slidenum">
               <a:rPr lang="en-US" smtClean="0"/>
-              <a:t>7</a:t>
+              <a:t>23</a:t>
             </a:fld>
             <a:endParaRPr lang="en-US"/>
           </a:p>
@@ -3436,6 +3452,1681 @@
 </p:sld>
 </file>
 
+<file path=ppt/slides/slide10.xml><?xml version="1.0" encoding="utf-8"?>
+<p:sld xmlns:a="http://schemas.openxmlformats.org/drawingml/2006/main" xmlns:r="http://schemas.openxmlformats.org/officeDocument/2006/relationships" xmlns:p="http://schemas.openxmlformats.org/presentationml/2006/main">
+  <p:cSld>
+    <p:spTree>
+      <p:nvGrpSpPr>
+        <p:cNvPr id="1" name=""/>
+        <p:cNvGrpSpPr/>
+        <p:nvPr/>
+      </p:nvGrpSpPr>
+      <p:grpSpPr>
+        <a:xfrm>
+          <a:off x="0" y="0"/>
+          <a:ext cx="0" cy="0"/>
+          <a:chOff x="0" y="0"/>
+          <a:chExt cx="0" cy="0"/>
+        </a:xfrm>
+      </p:grpSpPr>
+      <p:sp>
+        <p:nvSpPr>
+          <p:cNvPr id="3" name="Title 2">
+            <a:extLst>
+              <a:ext uri="{FF2B5EF4-FFF2-40B4-BE49-F238E27FC236}">
+                <a16:creationId xmlns:a16="http://schemas.microsoft.com/office/drawing/2014/main" xmlns="" id="{9BE9C5F0-517F-49AB-BB08-EFAA54E30757}"/>
+              </a:ext>
+            </a:extLst>
+          </p:cNvPr>
+          <p:cNvSpPr>
+            <a:spLocks noGrp="1"/>
+          </p:cNvSpPr>
+          <p:nvPr>
+            <p:ph type="title"/>
+          </p:nvPr>
+        </p:nvSpPr>
+        <p:spPr>
+          <a:xfrm>
+            <a:off x="953206" y="409805"/>
+            <a:ext cx="14400000" cy="1043695"/>
+          </a:xfrm>
+        </p:spPr>
+        <p:txBody>
+          <a:bodyPr/>
+          <a:lstStyle/>
+          <a:p>
+            <a:r>
+              <a:rPr lang="en-US" dirty="0"/>
+              <a:t>Install </a:t>
+            </a:r>
+            <a:r>
+              <a:rPr lang="en-US" dirty="0" err="1"/>
+              <a:t>NodeJS</a:t>
+            </a:r>
+            <a:r>
+              <a:rPr lang="en-US" dirty="0"/>
+              <a:t/>
+            </a:r>
+            <a:br>
+              <a:rPr lang="en-US" dirty="0"/>
+            </a:br>
+            <a:endParaRPr lang="th-TH" dirty="0"/>
+          </a:p>
+        </p:txBody>
+      </p:sp>
+      <p:sp>
+        <p:nvSpPr>
+          <p:cNvPr id="4" name="TextBox 3">
+            <a:extLst>
+              <a:ext uri="{FF2B5EF4-FFF2-40B4-BE49-F238E27FC236}">
+                <a16:creationId xmlns:a16="http://schemas.microsoft.com/office/drawing/2014/main" xmlns="" id="{E7404ED1-58F6-4014-997F-6CB48260CB18}"/>
+              </a:ext>
+            </a:extLst>
+          </p:cNvPr>
+          <p:cNvSpPr txBox="1"/>
+          <p:nvPr/>
+        </p:nvSpPr>
+        <p:spPr>
+          <a:xfrm>
+            <a:off x="904557" y="1768500"/>
+            <a:ext cx="16425000" cy="7245000"/>
+          </a:xfrm>
+          <a:prstGeom prst="rect">
+            <a:avLst/>
+          </a:prstGeom>
+          <a:noFill/>
+        </p:spPr>
+        <p:txBody>
+          <a:bodyPr wrap="none" lIns="0" tIns="0" rIns="0" bIns="0" rtlCol="0">
+            <a:noAutofit/>
+          </a:bodyPr>
+          <a:lstStyle/>
+          <a:p>
+            <a:pPr marL="457200" indent="-457200">
+              <a:lnSpc>
+                <a:spcPct val="150000"/>
+              </a:lnSpc>
+              <a:buFont typeface="Arial" panose="020B0604020202020204" pitchFamily="34" charset="0"/>
+              <a:buChar char="•"/>
+            </a:pPr>
+            <a:endParaRPr lang="en-US" sz="3600" dirty="0">
+              <a:solidFill>
+                <a:schemeClr val="bg2">
+                  <a:lumMod val="95000"/>
+                </a:schemeClr>
+              </a:solidFill>
+              <a:latin typeface="Roboto"/>
+              <a:cs typeface="Cordia New" panose="020B0304020202020204" pitchFamily="34" charset="-34"/>
+            </a:endParaRPr>
+          </a:p>
+        </p:txBody>
+      </p:sp>
+      <p:pic>
+        <p:nvPicPr>
+          <p:cNvPr id="2" name="Picture 1"/>
+          <p:cNvPicPr>
+            <a:picLocks noChangeAspect="1"/>
+          </p:cNvPicPr>
+          <p:nvPr/>
+        </p:nvPicPr>
+        <p:blipFill>
+          <a:blip r:embed="rId2"/>
+          <a:stretch>
+            <a:fillRect/>
+          </a:stretch>
+        </p:blipFill>
+        <p:spPr>
+          <a:xfrm>
+            <a:off x="4438731" y="2006688"/>
+            <a:ext cx="9356652" cy="7315200"/>
+          </a:xfrm>
+          <a:prstGeom prst="rect">
+            <a:avLst/>
+          </a:prstGeom>
+        </p:spPr>
+      </p:pic>
+    </p:spTree>
+    <p:extLst>
+      <p:ext uri="{BB962C8B-B14F-4D97-AF65-F5344CB8AC3E}">
+        <p14:creationId xmlns:p14="http://schemas.microsoft.com/office/powerpoint/2010/main" val="987337305"/>
+      </p:ext>
+    </p:extLst>
+  </p:cSld>
+  <p:clrMapOvr>
+    <a:masterClrMapping/>
+  </p:clrMapOvr>
+  <mc:AlternateContent xmlns:mc="http://schemas.openxmlformats.org/markup-compatibility/2006" xmlns:p14="http://schemas.microsoft.com/office/powerpoint/2010/main">
+    <mc:Choice Requires="p14">
+      <p:transition spd="med" p14:dur="700">
+        <p:fade/>
+      </p:transition>
+    </mc:Choice>
+    <mc:Fallback xmlns="">
+      <p:transition spd="med">
+        <p:fade/>
+      </p:transition>
+    </mc:Fallback>
+  </mc:AlternateContent>
+  <p:timing>
+    <p:tnLst>
+      <p:par>
+        <p:cTn id="1" dur="indefinite" restart="never" nodeType="tmRoot"/>
+      </p:par>
+    </p:tnLst>
+  </p:timing>
+</p:sld>
+</file>
+
+<file path=ppt/slides/slide11.xml><?xml version="1.0" encoding="utf-8"?>
+<p:sld xmlns:a="http://schemas.openxmlformats.org/drawingml/2006/main" xmlns:r="http://schemas.openxmlformats.org/officeDocument/2006/relationships" xmlns:p="http://schemas.openxmlformats.org/presentationml/2006/main">
+  <p:cSld>
+    <p:spTree>
+      <p:nvGrpSpPr>
+        <p:cNvPr id="1" name=""/>
+        <p:cNvGrpSpPr/>
+        <p:nvPr/>
+      </p:nvGrpSpPr>
+      <p:grpSpPr>
+        <a:xfrm>
+          <a:off x="0" y="0"/>
+          <a:ext cx="0" cy="0"/>
+          <a:chOff x="0" y="0"/>
+          <a:chExt cx="0" cy="0"/>
+        </a:xfrm>
+      </p:grpSpPr>
+      <p:sp>
+        <p:nvSpPr>
+          <p:cNvPr id="3" name="Title 2">
+            <a:extLst>
+              <a:ext uri="{FF2B5EF4-FFF2-40B4-BE49-F238E27FC236}">
+                <a16:creationId xmlns:a16="http://schemas.microsoft.com/office/drawing/2014/main" xmlns="" id="{9BE9C5F0-517F-49AB-BB08-EFAA54E30757}"/>
+              </a:ext>
+            </a:extLst>
+          </p:cNvPr>
+          <p:cNvSpPr>
+            <a:spLocks noGrp="1"/>
+          </p:cNvSpPr>
+          <p:nvPr>
+            <p:ph type="title"/>
+          </p:nvPr>
+        </p:nvSpPr>
+        <p:spPr>
+          <a:xfrm>
+            <a:off x="953206" y="409805"/>
+            <a:ext cx="14400000" cy="1043695"/>
+          </a:xfrm>
+        </p:spPr>
+        <p:txBody>
+          <a:bodyPr/>
+          <a:lstStyle/>
+          <a:p>
+            <a:r>
+              <a:rPr lang="en-US" dirty="0"/>
+              <a:t>Install </a:t>
+            </a:r>
+            <a:r>
+              <a:rPr lang="en-US" dirty="0" err="1"/>
+              <a:t>NodeJS</a:t>
+            </a:r>
+            <a:r>
+              <a:rPr lang="en-US" dirty="0"/>
+              <a:t/>
+            </a:r>
+            <a:br>
+              <a:rPr lang="en-US" dirty="0"/>
+            </a:br>
+            <a:endParaRPr lang="th-TH" dirty="0"/>
+          </a:p>
+        </p:txBody>
+      </p:sp>
+      <p:sp>
+        <p:nvSpPr>
+          <p:cNvPr id="4" name="TextBox 3">
+            <a:extLst>
+              <a:ext uri="{FF2B5EF4-FFF2-40B4-BE49-F238E27FC236}">
+                <a16:creationId xmlns:a16="http://schemas.microsoft.com/office/drawing/2014/main" xmlns="" id="{E7404ED1-58F6-4014-997F-6CB48260CB18}"/>
+              </a:ext>
+            </a:extLst>
+          </p:cNvPr>
+          <p:cNvSpPr txBox="1"/>
+          <p:nvPr/>
+        </p:nvSpPr>
+        <p:spPr>
+          <a:xfrm>
+            <a:off x="904557" y="1768500"/>
+            <a:ext cx="16425000" cy="7245000"/>
+          </a:xfrm>
+          <a:prstGeom prst="rect">
+            <a:avLst/>
+          </a:prstGeom>
+          <a:noFill/>
+        </p:spPr>
+        <p:txBody>
+          <a:bodyPr wrap="none" lIns="0" tIns="0" rIns="0" bIns="0" rtlCol="0">
+            <a:noAutofit/>
+          </a:bodyPr>
+          <a:lstStyle/>
+          <a:p>
+            <a:pPr marL="457200" indent="-457200">
+              <a:lnSpc>
+                <a:spcPct val="150000"/>
+              </a:lnSpc>
+              <a:buFont typeface="Arial" panose="020B0604020202020204" pitchFamily="34" charset="0"/>
+              <a:buChar char="•"/>
+            </a:pPr>
+            <a:endParaRPr lang="en-US" sz="3600" dirty="0">
+              <a:solidFill>
+                <a:schemeClr val="bg2">
+                  <a:lumMod val="95000"/>
+                </a:schemeClr>
+              </a:solidFill>
+              <a:latin typeface="Roboto"/>
+              <a:cs typeface="Cordia New" panose="020B0304020202020204" pitchFamily="34" charset="-34"/>
+            </a:endParaRPr>
+          </a:p>
+        </p:txBody>
+      </p:sp>
+      <p:pic>
+        <p:nvPicPr>
+          <p:cNvPr id="2" name="Picture 1"/>
+          <p:cNvPicPr>
+            <a:picLocks noChangeAspect="1"/>
+          </p:cNvPicPr>
+          <p:nvPr/>
+        </p:nvPicPr>
+        <p:blipFill>
+          <a:blip r:embed="rId2"/>
+          <a:stretch>
+            <a:fillRect/>
+          </a:stretch>
+        </p:blipFill>
+        <p:spPr>
+          <a:xfrm>
+            <a:off x="4438731" y="2013300"/>
+            <a:ext cx="9356652" cy="7315200"/>
+          </a:xfrm>
+          <a:prstGeom prst="rect">
+            <a:avLst/>
+          </a:prstGeom>
+        </p:spPr>
+      </p:pic>
+    </p:spTree>
+    <p:extLst>
+      <p:ext uri="{BB962C8B-B14F-4D97-AF65-F5344CB8AC3E}">
+        <p14:creationId xmlns:p14="http://schemas.microsoft.com/office/powerpoint/2010/main" val="669797068"/>
+      </p:ext>
+    </p:extLst>
+  </p:cSld>
+  <p:clrMapOvr>
+    <a:masterClrMapping/>
+  </p:clrMapOvr>
+  <mc:AlternateContent xmlns:mc="http://schemas.openxmlformats.org/markup-compatibility/2006" xmlns:p14="http://schemas.microsoft.com/office/powerpoint/2010/main">
+    <mc:Choice Requires="p14">
+      <p:transition spd="med" p14:dur="700">
+        <p:fade/>
+      </p:transition>
+    </mc:Choice>
+    <mc:Fallback xmlns="">
+      <p:transition spd="med">
+        <p:fade/>
+      </p:transition>
+    </mc:Fallback>
+  </mc:AlternateContent>
+  <p:timing>
+    <p:tnLst>
+      <p:par>
+        <p:cTn id="1" dur="indefinite" restart="never" nodeType="tmRoot"/>
+      </p:par>
+    </p:tnLst>
+  </p:timing>
+</p:sld>
+</file>
+
+<file path=ppt/slides/slide12.xml><?xml version="1.0" encoding="utf-8"?>
+<p:sld xmlns:a="http://schemas.openxmlformats.org/drawingml/2006/main" xmlns:r="http://schemas.openxmlformats.org/officeDocument/2006/relationships" xmlns:p="http://schemas.openxmlformats.org/presentationml/2006/main">
+  <p:cSld>
+    <p:spTree>
+      <p:nvGrpSpPr>
+        <p:cNvPr id="1" name=""/>
+        <p:cNvGrpSpPr/>
+        <p:nvPr/>
+      </p:nvGrpSpPr>
+      <p:grpSpPr>
+        <a:xfrm>
+          <a:off x="0" y="0"/>
+          <a:ext cx="0" cy="0"/>
+          <a:chOff x="0" y="0"/>
+          <a:chExt cx="0" cy="0"/>
+        </a:xfrm>
+      </p:grpSpPr>
+      <p:sp>
+        <p:nvSpPr>
+          <p:cNvPr id="3" name="Title 2">
+            <a:extLst>
+              <a:ext uri="{FF2B5EF4-FFF2-40B4-BE49-F238E27FC236}">
+                <a16:creationId xmlns:a16="http://schemas.microsoft.com/office/drawing/2014/main" xmlns="" id="{9BE9C5F0-517F-49AB-BB08-EFAA54E30757}"/>
+              </a:ext>
+            </a:extLst>
+          </p:cNvPr>
+          <p:cNvSpPr>
+            <a:spLocks noGrp="1"/>
+          </p:cNvSpPr>
+          <p:nvPr>
+            <p:ph type="title"/>
+          </p:nvPr>
+        </p:nvSpPr>
+        <p:spPr>
+          <a:xfrm>
+            <a:off x="953206" y="409805"/>
+            <a:ext cx="14400000" cy="1043695"/>
+          </a:xfrm>
+        </p:spPr>
+        <p:txBody>
+          <a:bodyPr/>
+          <a:lstStyle/>
+          <a:p>
+            <a:r>
+              <a:rPr lang="en-US" dirty="0"/>
+              <a:t>Install </a:t>
+            </a:r>
+            <a:r>
+              <a:rPr lang="en-US" dirty="0" err="1"/>
+              <a:t>NodeJS</a:t>
+            </a:r>
+            <a:r>
+              <a:rPr lang="en-US" dirty="0"/>
+              <a:t/>
+            </a:r>
+            <a:br>
+              <a:rPr lang="en-US" dirty="0"/>
+            </a:br>
+            <a:endParaRPr lang="th-TH" dirty="0"/>
+          </a:p>
+        </p:txBody>
+      </p:sp>
+      <p:sp>
+        <p:nvSpPr>
+          <p:cNvPr id="4" name="TextBox 3">
+            <a:extLst>
+              <a:ext uri="{FF2B5EF4-FFF2-40B4-BE49-F238E27FC236}">
+                <a16:creationId xmlns:a16="http://schemas.microsoft.com/office/drawing/2014/main" xmlns="" id="{E7404ED1-58F6-4014-997F-6CB48260CB18}"/>
+              </a:ext>
+            </a:extLst>
+          </p:cNvPr>
+          <p:cNvSpPr txBox="1"/>
+          <p:nvPr/>
+        </p:nvSpPr>
+        <p:spPr>
+          <a:xfrm>
+            <a:off x="904557" y="1768500"/>
+            <a:ext cx="16425000" cy="7245000"/>
+          </a:xfrm>
+          <a:prstGeom prst="rect">
+            <a:avLst/>
+          </a:prstGeom>
+          <a:noFill/>
+        </p:spPr>
+        <p:txBody>
+          <a:bodyPr wrap="none" lIns="0" tIns="0" rIns="0" bIns="0" rtlCol="0">
+            <a:noAutofit/>
+          </a:bodyPr>
+          <a:lstStyle/>
+          <a:p>
+            <a:pPr marL="457200" indent="-457200">
+              <a:lnSpc>
+                <a:spcPct val="150000"/>
+              </a:lnSpc>
+              <a:buFont typeface="Arial" panose="020B0604020202020204" pitchFamily="34" charset="0"/>
+              <a:buChar char="•"/>
+            </a:pPr>
+            <a:endParaRPr lang="en-US" sz="3600" dirty="0">
+              <a:solidFill>
+                <a:schemeClr val="bg2">
+                  <a:lumMod val="95000"/>
+                </a:schemeClr>
+              </a:solidFill>
+              <a:latin typeface="Roboto"/>
+              <a:cs typeface="Cordia New" panose="020B0304020202020204" pitchFamily="34" charset="-34"/>
+            </a:endParaRPr>
+          </a:p>
+        </p:txBody>
+      </p:sp>
+      <p:pic>
+        <p:nvPicPr>
+          <p:cNvPr id="2" name="Picture 1"/>
+          <p:cNvPicPr>
+            <a:picLocks noChangeAspect="1"/>
+          </p:cNvPicPr>
+          <p:nvPr/>
+        </p:nvPicPr>
+        <p:blipFill>
+          <a:blip r:embed="rId2"/>
+          <a:stretch>
+            <a:fillRect/>
+          </a:stretch>
+        </p:blipFill>
+        <p:spPr>
+          <a:xfrm>
+            <a:off x="4438731" y="2032416"/>
+            <a:ext cx="9356652" cy="7315200"/>
+          </a:xfrm>
+          <a:prstGeom prst="rect">
+            <a:avLst/>
+          </a:prstGeom>
+        </p:spPr>
+      </p:pic>
+    </p:spTree>
+    <p:extLst>
+      <p:ext uri="{BB962C8B-B14F-4D97-AF65-F5344CB8AC3E}">
+        <p14:creationId xmlns:p14="http://schemas.microsoft.com/office/powerpoint/2010/main" val="1455759116"/>
+      </p:ext>
+    </p:extLst>
+  </p:cSld>
+  <p:clrMapOvr>
+    <a:masterClrMapping/>
+  </p:clrMapOvr>
+  <mc:AlternateContent xmlns:mc="http://schemas.openxmlformats.org/markup-compatibility/2006" xmlns:p14="http://schemas.microsoft.com/office/powerpoint/2010/main">
+    <mc:Choice Requires="p14">
+      <p:transition spd="med" p14:dur="700">
+        <p:fade/>
+      </p:transition>
+    </mc:Choice>
+    <mc:Fallback xmlns="">
+      <p:transition spd="med">
+        <p:fade/>
+      </p:transition>
+    </mc:Fallback>
+  </mc:AlternateContent>
+  <p:timing>
+    <p:tnLst>
+      <p:par>
+        <p:cTn id="1" dur="indefinite" restart="never" nodeType="tmRoot"/>
+      </p:par>
+    </p:tnLst>
+  </p:timing>
+</p:sld>
+</file>
+
+<file path=ppt/slides/slide13.xml><?xml version="1.0" encoding="utf-8"?>
+<p:sld xmlns:a="http://schemas.openxmlformats.org/drawingml/2006/main" xmlns:r="http://schemas.openxmlformats.org/officeDocument/2006/relationships" xmlns:p="http://schemas.openxmlformats.org/presentationml/2006/main">
+  <p:cSld>
+    <p:spTree>
+      <p:nvGrpSpPr>
+        <p:cNvPr id="1" name=""/>
+        <p:cNvGrpSpPr/>
+        <p:nvPr/>
+      </p:nvGrpSpPr>
+      <p:grpSpPr>
+        <a:xfrm>
+          <a:off x="0" y="0"/>
+          <a:ext cx="0" cy="0"/>
+          <a:chOff x="0" y="0"/>
+          <a:chExt cx="0" cy="0"/>
+        </a:xfrm>
+      </p:grpSpPr>
+      <p:sp>
+        <p:nvSpPr>
+          <p:cNvPr id="3" name="Title 2">
+            <a:extLst>
+              <a:ext uri="{FF2B5EF4-FFF2-40B4-BE49-F238E27FC236}">
+                <a16:creationId xmlns:a16="http://schemas.microsoft.com/office/drawing/2014/main" xmlns="" id="{9BE9C5F0-517F-49AB-BB08-EFAA54E30757}"/>
+              </a:ext>
+            </a:extLst>
+          </p:cNvPr>
+          <p:cNvSpPr>
+            <a:spLocks noGrp="1"/>
+          </p:cNvSpPr>
+          <p:nvPr>
+            <p:ph type="title"/>
+          </p:nvPr>
+        </p:nvSpPr>
+        <p:spPr>
+          <a:xfrm>
+            <a:off x="953206" y="409805"/>
+            <a:ext cx="14400000" cy="1043695"/>
+          </a:xfrm>
+        </p:spPr>
+        <p:txBody>
+          <a:bodyPr/>
+          <a:lstStyle/>
+          <a:p>
+            <a:r>
+              <a:rPr lang="en-US" dirty="0"/>
+              <a:t>Install </a:t>
+            </a:r>
+            <a:r>
+              <a:rPr lang="en-US" dirty="0" err="1"/>
+              <a:t>NodeJS</a:t>
+            </a:r>
+            <a:r>
+              <a:rPr lang="en-US" dirty="0"/>
+              <a:t/>
+            </a:r>
+            <a:br>
+              <a:rPr lang="en-US" dirty="0"/>
+            </a:br>
+            <a:endParaRPr lang="th-TH" dirty="0"/>
+          </a:p>
+        </p:txBody>
+      </p:sp>
+      <p:sp>
+        <p:nvSpPr>
+          <p:cNvPr id="4" name="TextBox 3">
+            <a:extLst>
+              <a:ext uri="{FF2B5EF4-FFF2-40B4-BE49-F238E27FC236}">
+                <a16:creationId xmlns:a16="http://schemas.microsoft.com/office/drawing/2014/main" xmlns="" id="{E7404ED1-58F6-4014-997F-6CB48260CB18}"/>
+              </a:ext>
+            </a:extLst>
+          </p:cNvPr>
+          <p:cNvSpPr txBox="1"/>
+          <p:nvPr/>
+        </p:nvSpPr>
+        <p:spPr>
+          <a:xfrm>
+            <a:off x="904557" y="1768500"/>
+            <a:ext cx="16425000" cy="7245000"/>
+          </a:xfrm>
+          <a:prstGeom prst="rect">
+            <a:avLst/>
+          </a:prstGeom>
+          <a:noFill/>
+        </p:spPr>
+        <p:txBody>
+          <a:bodyPr wrap="none" lIns="0" tIns="0" rIns="0" bIns="0" rtlCol="0">
+            <a:noAutofit/>
+          </a:bodyPr>
+          <a:lstStyle/>
+          <a:p>
+            <a:pPr marL="457200" indent="-457200">
+              <a:lnSpc>
+                <a:spcPct val="150000"/>
+              </a:lnSpc>
+              <a:buFont typeface="Arial" panose="020B0604020202020204" pitchFamily="34" charset="0"/>
+              <a:buChar char="•"/>
+            </a:pPr>
+            <a:endParaRPr lang="en-US" sz="3600" dirty="0">
+              <a:solidFill>
+                <a:schemeClr val="bg2">
+                  <a:lumMod val="95000"/>
+                </a:schemeClr>
+              </a:solidFill>
+              <a:latin typeface="Roboto"/>
+              <a:cs typeface="Cordia New" panose="020B0304020202020204" pitchFamily="34" charset="-34"/>
+            </a:endParaRPr>
+          </a:p>
+        </p:txBody>
+      </p:sp>
+      <p:pic>
+        <p:nvPicPr>
+          <p:cNvPr id="2" name="Picture 1"/>
+          <p:cNvPicPr>
+            <a:picLocks noChangeAspect="1"/>
+          </p:cNvPicPr>
+          <p:nvPr/>
+        </p:nvPicPr>
+        <p:blipFill>
+          <a:blip r:embed="rId2"/>
+          <a:stretch>
+            <a:fillRect/>
+          </a:stretch>
+        </p:blipFill>
+        <p:spPr>
+          <a:xfrm>
+            <a:off x="4438731" y="1755024"/>
+            <a:ext cx="9356652" cy="7315200"/>
+          </a:xfrm>
+          <a:prstGeom prst="rect">
+            <a:avLst/>
+          </a:prstGeom>
+        </p:spPr>
+      </p:pic>
+    </p:spTree>
+    <p:extLst>
+      <p:ext uri="{BB962C8B-B14F-4D97-AF65-F5344CB8AC3E}">
+        <p14:creationId xmlns:p14="http://schemas.microsoft.com/office/powerpoint/2010/main" val="2846758518"/>
+      </p:ext>
+    </p:extLst>
+  </p:cSld>
+  <p:clrMapOvr>
+    <a:masterClrMapping/>
+  </p:clrMapOvr>
+  <mc:AlternateContent xmlns:mc="http://schemas.openxmlformats.org/markup-compatibility/2006" xmlns:p14="http://schemas.microsoft.com/office/powerpoint/2010/main">
+    <mc:Choice Requires="p14">
+      <p:transition spd="med" p14:dur="700">
+        <p:fade/>
+      </p:transition>
+    </mc:Choice>
+    <mc:Fallback xmlns="">
+      <p:transition spd="med">
+        <p:fade/>
+      </p:transition>
+    </mc:Fallback>
+  </mc:AlternateContent>
+  <p:timing>
+    <p:tnLst>
+      <p:par>
+        <p:cTn id="1" dur="indefinite" restart="never" nodeType="tmRoot"/>
+      </p:par>
+    </p:tnLst>
+  </p:timing>
+</p:sld>
+</file>
+
+<file path=ppt/slides/slide14.xml><?xml version="1.0" encoding="utf-8"?>
+<p:sld xmlns:a="http://schemas.openxmlformats.org/drawingml/2006/main" xmlns:r="http://schemas.openxmlformats.org/officeDocument/2006/relationships" xmlns:p="http://schemas.openxmlformats.org/presentationml/2006/main">
+  <p:cSld>
+    <p:spTree>
+      <p:nvGrpSpPr>
+        <p:cNvPr id="1" name=""/>
+        <p:cNvGrpSpPr/>
+        <p:nvPr/>
+      </p:nvGrpSpPr>
+      <p:grpSpPr>
+        <a:xfrm>
+          <a:off x="0" y="0"/>
+          <a:ext cx="0" cy="0"/>
+          <a:chOff x="0" y="0"/>
+          <a:chExt cx="0" cy="0"/>
+        </a:xfrm>
+      </p:grpSpPr>
+      <p:sp>
+        <p:nvSpPr>
+          <p:cNvPr id="3" name="Title 2">
+            <a:extLst>
+              <a:ext uri="{FF2B5EF4-FFF2-40B4-BE49-F238E27FC236}">
+                <a16:creationId xmlns:a16="http://schemas.microsoft.com/office/drawing/2014/main" xmlns="" id="{9BE9C5F0-517F-49AB-BB08-EFAA54E30757}"/>
+              </a:ext>
+            </a:extLst>
+          </p:cNvPr>
+          <p:cNvSpPr>
+            <a:spLocks noGrp="1"/>
+          </p:cNvSpPr>
+          <p:nvPr>
+            <p:ph type="title"/>
+          </p:nvPr>
+        </p:nvSpPr>
+        <p:spPr>
+          <a:xfrm>
+            <a:off x="953206" y="409805"/>
+            <a:ext cx="14400000" cy="1043695"/>
+          </a:xfrm>
+        </p:spPr>
+        <p:txBody>
+          <a:bodyPr/>
+          <a:lstStyle/>
+          <a:p>
+            <a:r>
+              <a:rPr lang="en-US" dirty="0"/>
+              <a:t>Install </a:t>
+            </a:r>
+            <a:r>
+              <a:rPr lang="en-US" dirty="0" err="1"/>
+              <a:t>NodeJS</a:t>
+            </a:r>
+            <a:r>
+              <a:rPr lang="en-US" dirty="0"/>
+              <a:t/>
+            </a:r>
+            <a:br>
+              <a:rPr lang="en-US" dirty="0"/>
+            </a:br>
+            <a:endParaRPr lang="th-TH" dirty="0"/>
+          </a:p>
+        </p:txBody>
+      </p:sp>
+      <p:sp>
+        <p:nvSpPr>
+          <p:cNvPr id="4" name="TextBox 3">
+            <a:extLst>
+              <a:ext uri="{FF2B5EF4-FFF2-40B4-BE49-F238E27FC236}">
+                <a16:creationId xmlns:a16="http://schemas.microsoft.com/office/drawing/2014/main" xmlns="" id="{E7404ED1-58F6-4014-997F-6CB48260CB18}"/>
+              </a:ext>
+            </a:extLst>
+          </p:cNvPr>
+          <p:cNvSpPr txBox="1"/>
+          <p:nvPr/>
+        </p:nvSpPr>
+        <p:spPr>
+          <a:xfrm>
+            <a:off x="904557" y="1768500"/>
+            <a:ext cx="16425000" cy="7245000"/>
+          </a:xfrm>
+          <a:prstGeom prst="rect">
+            <a:avLst/>
+          </a:prstGeom>
+          <a:noFill/>
+        </p:spPr>
+        <p:txBody>
+          <a:bodyPr wrap="none" lIns="0" tIns="0" rIns="0" bIns="0" rtlCol="0">
+            <a:noAutofit/>
+          </a:bodyPr>
+          <a:lstStyle/>
+          <a:p>
+            <a:pPr marL="457200" indent="-457200">
+              <a:lnSpc>
+                <a:spcPct val="150000"/>
+              </a:lnSpc>
+              <a:buFont typeface="Arial" panose="020B0604020202020204" pitchFamily="34" charset="0"/>
+              <a:buChar char="•"/>
+            </a:pPr>
+            <a:endParaRPr lang="en-US" sz="3600" dirty="0">
+              <a:solidFill>
+                <a:schemeClr val="bg2">
+                  <a:lumMod val="95000"/>
+                </a:schemeClr>
+              </a:solidFill>
+              <a:latin typeface="Roboto"/>
+              <a:cs typeface="Cordia New" panose="020B0304020202020204" pitchFamily="34" charset="-34"/>
+            </a:endParaRPr>
+          </a:p>
+        </p:txBody>
+      </p:sp>
+      <p:pic>
+        <p:nvPicPr>
+          <p:cNvPr id="2" name="Picture 1"/>
+          <p:cNvPicPr>
+            <a:picLocks noChangeAspect="1"/>
+          </p:cNvPicPr>
+          <p:nvPr/>
+        </p:nvPicPr>
+        <p:blipFill>
+          <a:blip r:embed="rId2"/>
+          <a:stretch>
+            <a:fillRect/>
+          </a:stretch>
+        </p:blipFill>
+        <p:spPr>
+          <a:xfrm>
+            <a:off x="4438731" y="1858500"/>
+            <a:ext cx="9356652" cy="7315200"/>
+          </a:xfrm>
+          <a:prstGeom prst="rect">
+            <a:avLst/>
+          </a:prstGeom>
+        </p:spPr>
+      </p:pic>
+    </p:spTree>
+    <p:extLst>
+      <p:ext uri="{BB962C8B-B14F-4D97-AF65-F5344CB8AC3E}">
+        <p14:creationId xmlns:p14="http://schemas.microsoft.com/office/powerpoint/2010/main" val="1197652296"/>
+      </p:ext>
+    </p:extLst>
+  </p:cSld>
+  <p:clrMapOvr>
+    <a:masterClrMapping/>
+  </p:clrMapOvr>
+  <mc:AlternateContent xmlns:mc="http://schemas.openxmlformats.org/markup-compatibility/2006" xmlns:p14="http://schemas.microsoft.com/office/powerpoint/2010/main">
+    <mc:Choice Requires="p14">
+      <p:transition spd="med" p14:dur="700">
+        <p:fade/>
+      </p:transition>
+    </mc:Choice>
+    <mc:Fallback xmlns="">
+      <p:transition spd="med">
+        <p:fade/>
+      </p:transition>
+    </mc:Fallback>
+  </mc:AlternateContent>
+  <p:timing>
+    <p:tnLst>
+      <p:par>
+        <p:cTn id="1" dur="indefinite" restart="never" nodeType="tmRoot"/>
+      </p:par>
+    </p:tnLst>
+  </p:timing>
+</p:sld>
+</file>
+
+<file path=ppt/slides/slide15.xml><?xml version="1.0" encoding="utf-8"?>
+<p:sld xmlns:a="http://schemas.openxmlformats.org/drawingml/2006/main" xmlns:r="http://schemas.openxmlformats.org/officeDocument/2006/relationships" xmlns:p="http://schemas.openxmlformats.org/presentationml/2006/main">
+  <p:cSld>
+    <p:spTree>
+      <p:nvGrpSpPr>
+        <p:cNvPr id="1" name=""/>
+        <p:cNvGrpSpPr/>
+        <p:nvPr/>
+      </p:nvGrpSpPr>
+      <p:grpSpPr>
+        <a:xfrm>
+          <a:off x="0" y="0"/>
+          <a:ext cx="0" cy="0"/>
+          <a:chOff x="0" y="0"/>
+          <a:chExt cx="0" cy="0"/>
+        </a:xfrm>
+      </p:grpSpPr>
+      <p:sp>
+        <p:nvSpPr>
+          <p:cNvPr id="3" name="Title 2">
+            <a:extLst>
+              <a:ext uri="{FF2B5EF4-FFF2-40B4-BE49-F238E27FC236}">
+                <a16:creationId xmlns:a16="http://schemas.microsoft.com/office/drawing/2014/main" xmlns="" id="{9BE9C5F0-517F-49AB-BB08-EFAA54E30757}"/>
+              </a:ext>
+            </a:extLst>
+          </p:cNvPr>
+          <p:cNvSpPr>
+            <a:spLocks noGrp="1"/>
+          </p:cNvSpPr>
+          <p:nvPr>
+            <p:ph type="title"/>
+          </p:nvPr>
+        </p:nvSpPr>
+        <p:spPr>
+          <a:xfrm>
+            <a:off x="953206" y="409805"/>
+            <a:ext cx="14400000" cy="1043695"/>
+          </a:xfrm>
+        </p:spPr>
+        <p:txBody>
+          <a:bodyPr/>
+          <a:lstStyle/>
+          <a:p>
+            <a:r>
+              <a:rPr lang="en-US" dirty="0"/>
+              <a:t>Install </a:t>
+            </a:r>
+            <a:r>
+              <a:rPr lang="en-US" dirty="0" err="1"/>
+              <a:t>cordova</a:t>
+            </a:r>
+            <a:r>
+              <a:rPr lang="en-US" dirty="0"/>
+              <a:t> via </a:t>
+            </a:r>
+            <a:r>
+              <a:rPr lang="en-US" dirty="0" err="1"/>
+              <a:t>npm</a:t>
+            </a:r>
+            <a:r>
+              <a:rPr lang="en-US" dirty="0"/>
+              <a:t> command</a:t>
+            </a:r>
+            <a:endParaRPr lang="th-TH" dirty="0"/>
+          </a:p>
+        </p:txBody>
+      </p:sp>
+      <p:sp>
+        <p:nvSpPr>
+          <p:cNvPr id="4" name="TextBox 3">
+            <a:extLst>
+              <a:ext uri="{FF2B5EF4-FFF2-40B4-BE49-F238E27FC236}">
+                <a16:creationId xmlns:a16="http://schemas.microsoft.com/office/drawing/2014/main" xmlns="" id="{E7404ED1-58F6-4014-997F-6CB48260CB18}"/>
+              </a:ext>
+            </a:extLst>
+          </p:cNvPr>
+          <p:cNvSpPr txBox="1"/>
+          <p:nvPr/>
+        </p:nvSpPr>
+        <p:spPr>
+          <a:xfrm>
+            <a:off x="904557" y="1768500"/>
+            <a:ext cx="16425000" cy="7245000"/>
+          </a:xfrm>
+          <a:prstGeom prst="rect">
+            <a:avLst/>
+          </a:prstGeom>
+          <a:noFill/>
+        </p:spPr>
+        <p:txBody>
+          <a:bodyPr wrap="none" lIns="0" tIns="0" rIns="0" bIns="0" rtlCol="0">
+            <a:noAutofit/>
+          </a:bodyPr>
+          <a:lstStyle/>
+          <a:p>
+            <a:pPr marL="457200" indent="-457200">
+              <a:lnSpc>
+                <a:spcPct val="150000"/>
+              </a:lnSpc>
+              <a:buFont typeface="Arial" panose="020B0604020202020204" pitchFamily="34" charset="0"/>
+              <a:buChar char="•"/>
+            </a:pPr>
+            <a:endParaRPr lang="en-US" sz="3600" dirty="0">
+              <a:solidFill>
+                <a:schemeClr val="bg2">
+                  <a:lumMod val="95000"/>
+                </a:schemeClr>
+              </a:solidFill>
+              <a:latin typeface="Roboto"/>
+              <a:cs typeface="Cordia New" panose="020B0304020202020204" pitchFamily="34" charset="-34"/>
+            </a:endParaRPr>
+          </a:p>
+        </p:txBody>
+      </p:sp>
+      <p:pic>
+        <p:nvPicPr>
+          <p:cNvPr id="2" name="Picture 1"/>
+          <p:cNvPicPr>
+            <a:picLocks noChangeAspect="1"/>
+          </p:cNvPicPr>
+          <p:nvPr/>
+        </p:nvPicPr>
+        <p:blipFill>
+          <a:blip r:embed="rId2"/>
+          <a:stretch>
+            <a:fillRect/>
+          </a:stretch>
+        </p:blipFill>
+        <p:spPr>
+          <a:xfrm>
+            <a:off x="4610985" y="2218500"/>
+            <a:ext cx="9012143" cy="7315200"/>
+          </a:xfrm>
+          <a:prstGeom prst="rect">
+            <a:avLst/>
+          </a:prstGeom>
+        </p:spPr>
+      </p:pic>
+    </p:spTree>
+    <p:extLst>
+      <p:ext uri="{BB962C8B-B14F-4D97-AF65-F5344CB8AC3E}">
+        <p14:creationId xmlns:p14="http://schemas.microsoft.com/office/powerpoint/2010/main" val="1052662500"/>
+      </p:ext>
+    </p:extLst>
+  </p:cSld>
+  <p:clrMapOvr>
+    <a:masterClrMapping/>
+  </p:clrMapOvr>
+  <mc:AlternateContent xmlns:mc="http://schemas.openxmlformats.org/markup-compatibility/2006" xmlns:p14="http://schemas.microsoft.com/office/powerpoint/2010/main">
+    <mc:Choice Requires="p14">
+      <p:transition spd="med" p14:dur="700">
+        <p:fade/>
+      </p:transition>
+    </mc:Choice>
+    <mc:Fallback xmlns="">
+      <p:transition spd="med">
+        <p:fade/>
+      </p:transition>
+    </mc:Fallback>
+  </mc:AlternateContent>
+  <p:timing>
+    <p:tnLst>
+      <p:par>
+        <p:cTn id="1" dur="indefinite" restart="never" nodeType="tmRoot"/>
+      </p:par>
+    </p:tnLst>
+  </p:timing>
+</p:sld>
+</file>
+
+<file path=ppt/slides/slide16.xml><?xml version="1.0" encoding="utf-8"?>
+<p:sld xmlns:a="http://schemas.openxmlformats.org/drawingml/2006/main" xmlns:r="http://schemas.openxmlformats.org/officeDocument/2006/relationships" xmlns:p="http://schemas.openxmlformats.org/presentationml/2006/main">
+  <p:cSld>
+    <p:spTree>
+      <p:nvGrpSpPr>
+        <p:cNvPr id="1" name=""/>
+        <p:cNvGrpSpPr/>
+        <p:nvPr/>
+      </p:nvGrpSpPr>
+      <p:grpSpPr>
+        <a:xfrm>
+          <a:off x="0" y="0"/>
+          <a:ext cx="0" cy="0"/>
+          <a:chOff x="0" y="0"/>
+          <a:chExt cx="0" cy="0"/>
+        </a:xfrm>
+      </p:grpSpPr>
+      <p:sp>
+        <p:nvSpPr>
+          <p:cNvPr id="3" name="Title 2">
+            <a:extLst>
+              <a:ext uri="{FF2B5EF4-FFF2-40B4-BE49-F238E27FC236}">
+                <a16:creationId xmlns:a16="http://schemas.microsoft.com/office/drawing/2014/main" xmlns="" id="{9BE9C5F0-517F-49AB-BB08-EFAA54E30757}"/>
+              </a:ext>
+            </a:extLst>
+          </p:cNvPr>
+          <p:cNvSpPr>
+            <a:spLocks noGrp="1"/>
+          </p:cNvSpPr>
+          <p:nvPr>
+            <p:ph type="title"/>
+          </p:nvPr>
+        </p:nvSpPr>
+        <p:spPr>
+          <a:xfrm>
+            <a:off x="953206" y="409805"/>
+            <a:ext cx="14400000" cy="1043695"/>
+          </a:xfrm>
+        </p:spPr>
+        <p:txBody>
+          <a:bodyPr/>
+          <a:lstStyle/>
+          <a:p>
+            <a:r>
+              <a:rPr lang="en-US" dirty="0"/>
+              <a:t>Install </a:t>
+            </a:r>
+            <a:r>
+              <a:rPr lang="en-US" dirty="0" err="1"/>
+              <a:t>cordova</a:t>
+            </a:r>
+            <a:r>
+              <a:rPr lang="en-US" dirty="0"/>
+              <a:t> via </a:t>
+            </a:r>
+            <a:r>
+              <a:rPr lang="en-US" dirty="0" err="1"/>
+              <a:t>npm</a:t>
+            </a:r>
+            <a:r>
+              <a:rPr lang="en-US" dirty="0"/>
+              <a:t> command</a:t>
+            </a:r>
+            <a:endParaRPr lang="th-TH" dirty="0"/>
+          </a:p>
+        </p:txBody>
+      </p:sp>
+      <p:sp>
+        <p:nvSpPr>
+          <p:cNvPr id="4" name="TextBox 3">
+            <a:extLst>
+              <a:ext uri="{FF2B5EF4-FFF2-40B4-BE49-F238E27FC236}">
+                <a16:creationId xmlns:a16="http://schemas.microsoft.com/office/drawing/2014/main" xmlns="" id="{E7404ED1-58F6-4014-997F-6CB48260CB18}"/>
+              </a:ext>
+            </a:extLst>
+          </p:cNvPr>
+          <p:cNvSpPr txBox="1"/>
+          <p:nvPr/>
+        </p:nvSpPr>
+        <p:spPr>
+          <a:xfrm>
+            <a:off x="904557" y="1768500"/>
+            <a:ext cx="16425000" cy="7245000"/>
+          </a:xfrm>
+          <a:prstGeom prst="rect">
+            <a:avLst/>
+          </a:prstGeom>
+          <a:noFill/>
+        </p:spPr>
+        <p:txBody>
+          <a:bodyPr wrap="none" lIns="0" tIns="0" rIns="0" bIns="0" rtlCol="0">
+            <a:noAutofit/>
+          </a:bodyPr>
+          <a:lstStyle/>
+          <a:p>
+            <a:pPr marL="457200" indent="-457200">
+              <a:lnSpc>
+                <a:spcPct val="150000"/>
+              </a:lnSpc>
+              <a:buFont typeface="Arial" panose="020B0604020202020204" pitchFamily="34" charset="0"/>
+              <a:buChar char="•"/>
+            </a:pPr>
+            <a:endParaRPr lang="en-US" sz="3600" dirty="0">
+              <a:solidFill>
+                <a:schemeClr val="bg2">
+                  <a:lumMod val="95000"/>
+                </a:schemeClr>
+              </a:solidFill>
+              <a:latin typeface="Roboto"/>
+              <a:cs typeface="Cordia New" panose="020B0304020202020204" pitchFamily="34" charset="-34"/>
+            </a:endParaRPr>
+          </a:p>
+        </p:txBody>
+      </p:sp>
+      <p:pic>
+        <p:nvPicPr>
+          <p:cNvPr id="5" name="Picture 4"/>
+          <p:cNvPicPr>
+            <a:picLocks noChangeAspect="1"/>
+          </p:cNvPicPr>
+          <p:nvPr/>
+        </p:nvPicPr>
+        <p:blipFill>
+          <a:blip r:embed="rId2"/>
+          <a:stretch>
+            <a:fillRect/>
+          </a:stretch>
+        </p:blipFill>
+        <p:spPr>
+          <a:xfrm>
+            <a:off x="2123325" y="1903500"/>
+            <a:ext cx="13987463" cy="7315200"/>
+          </a:xfrm>
+          <a:prstGeom prst="rect">
+            <a:avLst/>
+          </a:prstGeom>
+        </p:spPr>
+      </p:pic>
+    </p:spTree>
+    <p:extLst>
+      <p:ext uri="{BB962C8B-B14F-4D97-AF65-F5344CB8AC3E}">
+        <p14:creationId xmlns:p14="http://schemas.microsoft.com/office/powerpoint/2010/main" val="1441656686"/>
+      </p:ext>
+    </p:extLst>
+  </p:cSld>
+  <p:clrMapOvr>
+    <a:masterClrMapping/>
+  </p:clrMapOvr>
+  <mc:AlternateContent xmlns:mc="http://schemas.openxmlformats.org/markup-compatibility/2006" xmlns:p14="http://schemas.microsoft.com/office/powerpoint/2010/main">
+    <mc:Choice Requires="p14">
+      <p:transition spd="med" p14:dur="700">
+        <p:fade/>
+      </p:transition>
+    </mc:Choice>
+    <mc:Fallback xmlns="">
+      <p:transition spd="med">
+        <p:fade/>
+      </p:transition>
+    </mc:Fallback>
+  </mc:AlternateContent>
+  <p:timing>
+    <p:tnLst>
+      <p:par>
+        <p:cTn id="1" dur="indefinite" restart="never" nodeType="tmRoot"/>
+      </p:par>
+    </p:tnLst>
+  </p:timing>
+</p:sld>
+</file>
+
+<file path=ppt/slides/slide17.xml><?xml version="1.0" encoding="utf-8"?>
+<p:sld xmlns:a="http://schemas.openxmlformats.org/drawingml/2006/main" xmlns:r="http://schemas.openxmlformats.org/officeDocument/2006/relationships" xmlns:p="http://schemas.openxmlformats.org/presentationml/2006/main">
+  <p:cSld>
+    <p:spTree>
+      <p:nvGrpSpPr>
+        <p:cNvPr id="1" name=""/>
+        <p:cNvGrpSpPr/>
+        <p:nvPr/>
+      </p:nvGrpSpPr>
+      <p:grpSpPr>
+        <a:xfrm>
+          <a:off x="0" y="0"/>
+          <a:ext cx="0" cy="0"/>
+          <a:chOff x="0" y="0"/>
+          <a:chExt cx="0" cy="0"/>
+        </a:xfrm>
+      </p:grpSpPr>
+      <p:sp>
+        <p:nvSpPr>
+          <p:cNvPr id="3" name="Title 2">
+            <a:extLst>
+              <a:ext uri="{FF2B5EF4-FFF2-40B4-BE49-F238E27FC236}">
+                <a16:creationId xmlns:a16="http://schemas.microsoft.com/office/drawing/2014/main" xmlns="" id="{9BE9C5F0-517F-49AB-BB08-EFAA54E30757}"/>
+              </a:ext>
+            </a:extLst>
+          </p:cNvPr>
+          <p:cNvSpPr>
+            <a:spLocks noGrp="1"/>
+          </p:cNvSpPr>
+          <p:nvPr>
+            <p:ph type="title"/>
+          </p:nvPr>
+        </p:nvSpPr>
+        <p:spPr>
+          <a:xfrm>
+            <a:off x="953206" y="409805"/>
+            <a:ext cx="14400000" cy="1043695"/>
+          </a:xfrm>
+        </p:spPr>
+        <p:txBody>
+          <a:bodyPr/>
+          <a:lstStyle/>
+          <a:p>
+            <a:r>
+              <a:rPr lang="en-US" dirty="0"/>
+              <a:t>Install </a:t>
+            </a:r>
+            <a:r>
+              <a:rPr lang="en-US" dirty="0" err="1"/>
+              <a:t>cordova</a:t>
+            </a:r>
+            <a:r>
+              <a:rPr lang="en-US" dirty="0"/>
+              <a:t> via </a:t>
+            </a:r>
+            <a:r>
+              <a:rPr lang="en-US" dirty="0" err="1"/>
+              <a:t>npm</a:t>
+            </a:r>
+            <a:r>
+              <a:rPr lang="en-US" dirty="0"/>
+              <a:t> command</a:t>
+            </a:r>
+            <a:endParaRPr lang="th-TH" dirty="0"/>
+          </a:p>
+        </p:txBody>
+      </p:sp>
+      <p:sp>
+        <p:nvSpPr>
+          <p:cNvPr id="4" name="TextBox 3">
+            <a:extLst>
+              <a:ext uri="{FF2B5EF4-FFF2-40B4-BE49-F238E27FC236}">
+                <a16:creationId xmlns:a16="http://schemas.microsoft.com/office/drawing/2014/main" xmlns="" id="{E7404ED1-58F6-4014-997F-6CB48260CB18}"/>
+              </a:ext>
+            </a:extLst>
+          </p:cNvPr>
+          <p:cNvSpPr txBox="1"/>
+          <p:nvPr/>
+        </p:nvSpPr>
+        <p:spPr>
+          <a:xfrm>
+            <a:off x="904557" y="1768500"/>
+            <a:ext cx="16425000" cy="7245000"/>
+          </a:xfrm>
+          <a:prstGeom prst="rect">
+            <a:avLst/>
+          </a:prstGeom>
+          <a:noFill/>
+        </p:spPr>
+        <p:txBody>
+          <a:bodyPr wrap="none" lIns="0" tIns="0" rIns="0" bIns="0" rtlCol="0">
+            <a:noAutofit/>
+          </a:bodyPr>
+          <a:lstStyle/>
+          <a:p>
+            <a:pPr marL="457200" indent="-457200">
+              <a:lnSpc>
+                <a:spcPct val="150000"/>
+              </a:lnSpc>
+              <a:buFont typeface="Arial" panose="020B0604020202020204" pitchFamily="34" charset="0"/>
+              <a:buChar char="•"/>
+            </a:pPr>
+            <a:endParaRPr lang="en-US" sz="3600" dirty="0">
+              <a:solidFill>
+                <a:schemeClr val="bg2">
+                  <a:lumMod val="95000"/>
+                </a:schemeClr>
+              </a:solidFill>
+              <a:latin typeface="Roboto"/>
+              <a:cs typeface="Cordia New" panose="020B0304020202020204" pitchFamily="34" charset="-34"/>
+            </a:endParaRPr>
+          </a:p>
+        </p:txBody>
+      </p:sp>
+      <p:pic>
+        <p:nvPicPr>
+          <p:cNvPr id="2" name="Picture 1"/>
+          <p:cNvPicPr>
+            <a:picLocks noChangeAspect="1"/>
+          </p:cNvPicPr>
+          <p:nvPr/>
+        </p:nvPicPr>
+        <p:blipFill>
+          <a:blip r:embed="rId2"/>
+          <a:stretch>
+            <a:fillRect/>
+          </a:stretch>
+        </p:blipFill>
+        <p:spPr>
+          <a:xfrm>
+            <a:off x="2123325" y="1997808"/>
+            <a:ext cx="13987463" cy="7315200"/>
+          </a:xfrm>
+          <a:prstGeom prst="rect">
+            <a:avLst/>
+          </a:prstGeom>
+        </p:spPr>
+      </p:pic>
+    </p:spTree>
+    <p:extLst>
+      <p:ext uri="{BB962C8B-B14F-4D97-AF65-F5344CB8AC3E}">
+        <p14:creationId xmlns:p14="http://schemas.microsoft.com/office/powerpoint/2010/main" val="1951472503"/>
+      </p:ext>
+    </p:extLst>
+  </p:cSld>
+  <p:clrMapOvr>
+    <a:masterClrMapping/>
+  </p:clrMapOvr>
+  <mc:AlternateContent xmlns:mc="http://schemas.openxmlformats.org/markup-compatibility/2006" xmlns:p14="http://schemas.microsoft.com/office/powerpoint/2010/main">
+    <mc:Choice Requires="p14">
+      <p:transition spd="med" p14:dur="700">
+        <p:fade/>
+      </p:transition>
+    </mc:Choice>
+    <mc:Fallback xmlns="">
+      <p:transition spd="med">
+        <p:fade/>
+      </p:transition>
+    </mc:Fallback>
+  </mc:AlternateContent>
+  <p:timing>
+    <p:tnLst>
+      <p:par>
+        <p:cTn id="1" dur="indefinite" restart="never" nodeType="tmRoot"/>
+      </p:par>
+    </p:tnLst>
+  </p:timing>
+</p:sld>
+</file>
+
+<file path=ppt/slides/slide18.xml><?xml version="1.0" encoding="utf-8"?>
+<p:sld xmlns:a="http://schemas.openxmlformats.org/drawingml/2006/main" xmlns:r="http://schemas.openxmlformats.org/officeDocument/2006/relationships" xmlns:p="http://schemas.openxmlformats.org/presentationml/2006/main">
+  <p:cSld>
+    <p:spTree>
+      <p:nvGrpSpPr>
+        <p:cNvPr id="1" name=""/>
+        <p:cNvGrpSpPr/>
+        <p:nvPr/>
+      </p:nvGrpSpPr>
+      <p:grpSpPr>
+        <a:xfrm>
+          <a:off x="0" y="0"/>
+          <a:ext cx="0" cy="0"/>
+          <a:chOff x="0" y="0"/>
+          <a:chExt cx="0" cy="0"/>
+        </a:xfrm>
+      </p:grpSpPr>
+      <p:sp>
+        <p:nvSpPr>
+          <p:cNvPr id="3" name="Title 2">
+            <a:extLst>
+              <a:ext uri="{FF2B5EF4-FFF2-40B4-BE49-F238E27FC236}">
+                <a16:creationId xmlns:a16="http://schemas.microsoft.com/office/drawing/2014/main" xmlns="" id="{9BE9C5F0-517F-49AB-BB08-EFAA54E30757}"/>
+              </a:ext>
+            </a:extLst>
+          </p:cNvPr>
+          <p:cNvSpPr>
+            <a:spLocks noGrp="1"/>
+          </p:cNvSpPr>
+          <p:nvPr>
+            <p:ph type="title"/>
+          </p:nvPr>
+        </p:nvSpPr>
+        <p:spPr>
+          <a:xfrm>
+            <a:off x="953206" y="409805"/>
+            <a:ext cx="14400000" cy="1043695"/>
+          </a:xfrm>
+        </p:spPr>
+        <p:txBody>
+          <a:bodyPr/>
+          <a:lstStyle/>
+          <a:p>
+            <a:r>
+              <a:rPr lang="en-US" dirty="0"/>
+              <a:t>Install </a:t>
+            </a:r>
+            <a:r>
+              <a:rPr lang="en-US" dirty="0" err="1"/>
+              <a:t>cordova</a:t>
+            </a:r>
+            <a:r>
+              <a:rPr lang="en-US" dirty="0"/>
+              <a:t> via </a:t>
+            </a:r>
+            <a:r>
+              <a:rPr lang="en-US" dirty="0" err="1"/>
+              <a:t>npm</a:t>
+            </a:r>
+            <a:r>
+              <a:rPr lang="en-US" dirty="0"/>
+              <a:t> command</a:t>
+            </a:r>
+            <a:endParaRPr lang="th-TH" dirty="0"/>
+          </a:p>
+        </p:txBody>
+      </p:sp>
+      <p:sp>
+        <p:nvSpPr>
+          <p:cNvPr id="4" name="TextBox 3">
+            <a:extLst>
+              <a:ext uri="{FF2B5EF4-FFF2-40B4-BE49-F238E27FC236}">
+                <a16:creationId xmlns:a16="http://schemas.microsoft.com/office/drawing/2014/main" xmlns="" id="{E7404ED1-58F6-4014-997F-6CB48260CB18}"/>
+              </a:ext>
+            </a:extLst>
+          </p:cNvPr>
+          <p:cNvSpPr txBox="1"/>
+          <p:nvPr/>
+        </p:nvSpPr>
+        <p:spPr>
+          <a:xfrm>
+            <a:off x="904557" y="1768500"/>
+            <a:ext cx="16425000" cy="7245000"/>
+          </a:xfrm>
+          <a:prstGeom prst="rect">
+            <a:avLst/>
+          </a:prstGeom>
+          <a:noFill/>
+        </p:spPr>
+        <p:txBody>
+          <a:bodyPr wrap="none" lIns="0" tIns="0" rIns="0" bIns="0" rtlCol="0">
+            <a:noAutofit/>
+          </a:bodyPr>
+          <a:lstStyle/>
+          <a:p>
+            <a:pPr marL="457200" indent="-457200">
+              <a:lnSpc>
+                <a:spcPct val="150000"/>
+              </a:lnSpc>
+              <a:buFont typeface="Arial" panose="020B0604020202020204" pitchFamily="34" charset="0"/>
+              <a:buChar char="•"/>
+            </a:pPr>
+            <a:endParaRPr lang="en-US" sz="3600" dirty="0">
+              <a:solidFill>
+                <a:schemeClr val="bg2">
+                  <a:lumMod val="95000"/>
+                </a:schemeClr>
+              </a:solidFill>
+              <a:latin typeface="Roboto"/>
+              <a:cs typeface="Cordia New" panose="020B0304020202020204" pitchFamily="34" charset="-34"/>
+            </a:endParaRPr>
+          </a:p>
+        </p:txBody>
+      </p:sp>
+      <p:pic>
+        <p:nvPicPr>
+          <p:cNvPr id="2" name="Picture 1"/>
+          <p:cNvPicPr>
+            <a:picLocks noChangeAspect="1"/>
+          </p:cNvPicPr>
+          <p:nvPr/>
+        </p:nvPicPr>
+        <p:blipFill>
+          <a:blip r:embed="rId2"/>
+          <a:stretch>
+            <a:fillRect/>
+          </a:stretch>
+        </p:blipFill>
+        <p:spPr>
+          <a:xfrm>
+            <a:off x="2123325" y="2016432"/>
+            <a:ext cx="13987463" cy="7315200"/>
+          </a:xfrm>
+          <a:prstGeom prst="rect">
+            <a:avLst/>
+          </a:prstGeom>
+        </p:spPr>
+      </p:pic>
+    </p:spTree>
+    <p:extLst>
+      <p:ext uri="{BB962C8B-B14F-4D97-AF65-F5344CB8AC3E}">
+        <p14:creationId xmlns:p14="http://schemas.microsoft.com/office/powerpoint/2010/main" val="2951079808"/>
+      </p:ext>
+    </p:extLst>
+  </p:cSld>
+  <p:clrMapOvr>
+    <a:masterClrMapping/>
+  </p:clrMapOvr>
+  <mc:AlternateContent xmlns:mc="http://schemas.openxmlformats.org/markup-compatibility/2006" xmlns:p14="http://schemas.microsoft.com/office/powerpoint/2010/main">
+    <mc:Choice Requires="p14">
+      <p:transition spd="med" p14:dur="700">
+        <p:fade/>
+      </p:transition>
+    </mc:Choice>
+    <mc:Fallback xmlns="">
+      <p:transition spd="med">
+        <p:fade/>
+      </p:transition>
+    </mc:Fallback>
+  </mc:AlternateContent>
+  <p:timing>
+    <p:tnLst>
+      <p:par>
+        <p:cTn id="1" dur="indefinite" restart="never" nodeType="tmRoot"/>
+      </p:par>
+    </p:tnLst>
+  </p:timing>
+</p:sld>
+</file>
+
+<file path=ppt/slides/slide19.xml><?xml version="1.0" encoding="utf-8"?>
+<p:sld xmlns:a="http://schemas.openxmlformats.org/drawingml/2006/main" xmlns:r="http://schemas.openxmlformats.org/officeDocument/2006/relationships" xmlns:p="http://schemas.openxmlformats.org/presentationml/2006/main">
+  <p:cSld>
+    <p:spTree>
+      <p:nvGrpSpPr>
+        <p:cNvPr id="1" name=""/>
+        <p:cNvGrpSpPr/>
+        <p:nvPr/>
+      </p:nvGrpSpPr>
+      <p:grpSpPr>
+        <a:xfrm>
+          <a:off x="0" y="0"/>
+          <a:ext cx="0" cy="0"/>
+          <a:chOff x="0" y="0"/>
+          <a:chExt cx="0" cy="0"/>
+        </a:xfrm>
+      </p:grpSpPr>
+      <p:sp>
+        <p:nvSpPr>
+          <p:cNvPr id="3" name="Title 2">
+            <a:extLst>
+              <a:ext uri="{FF2B5EF4-FFF2-40B4-BE49-F238E27FC236}">
+                <a16:creationId xmlns:a16="http://schemas.microsoft.com/office/drawing/2014/main" xmlns="" id="{9BE9C5F0-517F-49AB-BB08-EFAA54E30757}"/>
+              </a:ext>
+            </a:extLst>
+          </p:cNvPr>
+          <p:cNvSpPr>
+            <a:spLocks noGrp="1"/>
+          </p:cNvSpPr>
+          <p:nvPr>
+            <p:ph type="title"/>
+          </p:nvPr>
+        </p:nvSpPr>
+        <p:spPr>
+          <a:xfrm>
+            <a:off x="953206" y="409805"/>
+            <a:ext cx="14400000" cy="1043695"/>
+          </a:xfrm>
+        </p:spPr>
+        <p:txBody>
+          <a:bodyPr/>
+          <a:lstStyle/>
+          <a:p>
+            <a:r>
+              <a:rPr lang="en-US" dirty="0"/>
+              <a:t>Install </a:t>
+            </a:r>
+            <a:r>
+              <a:rPr lang="en-US" dirty="0" err="1"/>
+              <a:t>cordova</a:t>
+            </a:r>
+            <a:r>
+              <a:rPr lang="en-US" dirty="0"/>
+              <a:t> via </a:t>
+            </a:r>
+            <a:r>
+              <a:rPr lang="en-US" dirty="0" err="1"/>
+              <a:t>npm</a:t>
+            </a:r>
+            <a:r>
+              <a:rPr lang="en-US" dirty="0"/>
+              <a:t> command</a:t>
+            </a:r>
+            <a:endParaRPr lang="th-TH" dirty="0"/>
+          </a:p>
+        </p:txBody>
+      </p:sp>
+      <p:sp>
+        <p:nvSpPr>
+          <p:cNvPr id="4" name="TextBox 3">
+            <a:extLst>
+              <a:ext uri="{FF2B5EF4-FFF2-40B4-BE49-F238E27FC236}">
+                <a16:creationId xmlns:a16="http://schemas.microsoft.com/office/drawing/2014/main" xmlns="" id="{E7404ED1-58F6-4014-997F-6CB48260CB18}"/>
+              </a:ext>
+            </a:extLst>
+          </p:cNvPr>
+          <p:cNvSpPr txBox="1"/>
+          <p:nvPr/>
+        </p:nvSpPr>
+        <p:spPr>
+          <a:xfrm>
+            <a:off x="904557" y="1768500"/>
+            <a:ext cx="16425000" cy="7245000"/>
+          </a:xfrm>
+          <a:prstGeom prst="rect">
+            <a:avLst/>
+          </a:prstGeom>
+          <a:noFill/>
+        </p:spPr>
+        <p:txBody>
+          <a:bodyPr wrap="none" lIns="0" tIns="0" rIns="0" bIns="0" rtlCol="0">
+            <a:noAutofit/>
+          </a:bodyPr>
+          <a:lstStyle/>
+          <a:p>
+            <a:pPr marL="457200" indent="-457200">
+              <a:lnSpc>
+                <a:spcPct val="150000"/>
+              </a:lnSpc>
+              <a:buFont typeface="Arial" panose="020B0604020202020204" pitchFamily="34" charset="0"/>
+              <a:buChar char="•"/>
+            </a:pPr>
+            <a:endParaRPr lang="en-US" sz="3600" dirty="0">
+              <a:solidFill>
+                <a:schemeClr val="bg2">
+                  <a:lumMod val="95000"/>
+                </a:schemeClr>
+              </a:solidFill>
+              <a:latin typeface="Roboto"/>
+              <a:cs typeface="Cordia New" panose="020B0304020202020204" pitchFamily="34" charset="-34"/>
+            </a:endParaRPr>
+          </a:p>
+        </p:txBody>
+      </p:sp>
+      <p:pic>
+        <p:nvPicPr>
+          <p:cNvPr id="2" name="Picture 1"/>
+          <p:cNvPicPr>
+            <a:picLocks noChangeAspect="1"/>
+          </p:cNvPicPr>
+          <p:nvPr/>
+        </p:nvPicPr>
+        <p:blipFill>
+          <a:blip r:embed="rId2"/>
+          <a:stretch>
+            <a:fillRect/>
+          </a:stretch>
+        </p:blipFill>
+        <p:spPr>
+          <a:xfrm>
+            <a:off x="2123325" y="2173500"/>
+            <a:ext cx="13987463" cy="7315200"/>
+          </a:xfrm>
+          <a:prstGeom prst="rect">
+            <a:avLst/>
+          </a:prstGeom>
+        </p:spPr>
+      </p:pic>
+    </p:spTree>
+    <p:extLst>
+      <p:ext uri="{BB962C8B-B14F-4D97-AF65-F5344CB8AC3E}">
+        <p14:creationId xmlns:p14="http://schemas.microsoft.com/office/powerpoint/2010/main" val="203042588"/>
+      </p:ext>
+    </p:extLst>
+  </p:cSld>
+  <p:clrMapOvr>
+    <a:masterClrMapping/>
+  </p:clrMapOvr>
+  <mc:AlternateContent xmlns:mc="http://schemas.openxmlformats.org/markup-compatibility/2006" xmlns:p14="http://schemas.microsoft.com/office/powerpoint/2010/main">
+    <mc:Choice Requires="p14">
+      <p:transition spd="med" p14:dur="700">
+        <p:fade/>
+      </p:transition>
+    </mc:Choice>
+    <mc:Fallback xmlns="">
+      <p:transition spd="med">
+        <p:fade/>
+      </p:transition>
+    </mc:Fallback>
+  </mc:AlternateContent>
+  <p:timing>
+    <p:tnLst>
+      <p:par>
+        <p:cTn id="1" dur="indefinite" restart="never" nodeType="tmRoot"/>
+      </p:par>
+    </p:tnLst>
+  </p:timing>
+</p:sld>
+</file>
+
 <file path=ppt/slides/slide2.xml><?xml version="1.0" encoding="utf-8"?>
 <p:sld xmlns:a="http://schemas.openxmlformats.org/drawingml/2006/main" xmlns:r="http://schemas.openxmlformats.org/officeDocument/2006/relationships" xmlns:p="http://schemas.openxmlformats.org/presentationml/2006/main">
   <p:cSld>
@@ -3637,6 +5328,798 @@
         <p:cTn id="1" dur="indefinite" restart="never" nodeType="tmRoot"/>
       </p:par>
     </p:tnLst>
+  </p:timing>
+</p:sld>
+</file>
+
+<file path=ppt/slides/slide20.xml><?xml version="1.0" encoding="utf-8"?>
+<p:sld xmlns:a="http://schemas.openxmlformats.org/drawingml/2006/main" xmlns:r="http://schemas.openxmlformats.org/officeDocument/2006/relationships" xmlns:p="http://schemas.openxmlformats.org/presentationml/2006/main">
+  <p:cSld>
+    <p:spTree>
+      <p:nvGrpSpPr>
+        <p:cNvPr id="1" name=""/>
+        <p:cNvGrpSpPr/>
+        <p:nvPr/>
+      </p:nvGrpSpPr>
+      <p:grpSpPr>
+        <a:xfrm>
+          <a:off x="0" y="0"/>
+          <a:ext cx="0" cy="0"/>
+          <a:chOff x="0" y="0"/>
+          <a:chExt cx="0" cy="0"/>
+        </a:xfrm>
+      </p:grpSpPr>
+      <p:sp>
+        <p:nvSpPr>
+          <p:cNvPr id="3" name="Title 2">
+            <a:extLst>
+              <a:ext uri="{FF2B5EF4-FFF2-40B4-BE49-F238E27FC236}">
+                <a16:creationId xmlns:a16="http://schemas.microsoft.com/office/drawing/2014/main" xmlns="" id="{9BE9C5F0-517F-49AB-BB08-EFAA54E30757}"/>
+              </a:ext>
+            </a:extLst>
+          </p:cNvPr>
+          <p:cNvSpPr>
+            <a:spLocks noGrp="1"/>
+          </p:cNvSpPr>
+          <p:nvPr>
+            <p:ph type="title"/>
+          </p:nvPr>
+        </p:nvSpPr>
+        <p:spPr>
+          <a:xfrm>
+            <a:off x="953206" y="409805"/>
+            <a:ext cx="14400000" cy="1043695"/>
+          </a:xfrm>
+        </p:spPr>
+        <p:txBody>
+          <a:bodyPr/>
+          <a:lstStyle/>
+          <a:p>
+            <a:r>
+              <a:rPr lang="en-US" dirty="0"/>
+              <a:t>Install </a:t>
+            </a:r>
+            <a:r>
+              <a:rPr lang="en-US" dirty="0" err="1"/>
+              <a:t>cordova</a:t>
+            </a:r>
+            <a:r>
+              <a:rPr lang="en-US" dirty="0"/>
+              <a:t> via </a:t>
+            </a:r>
+            <a:r>
+              <a:rPr lang="en-US" dirty="0" err="1"/>
+              <a:t>npm</a:t>
+            </a:r>
+            <a:r>
+              <a:rPr lang="en-US" dirty="0"/>
+              <a:t> command</a:t>
+            </a:r>
+            <a:endParaRPr lang="th-TH" dirty="0"/>
+          </a:p>
+        </p:txBody>
+      </p:sp>
+      <p:sp>
+        <p:nvSpPr>
+          <p:cNvPr id="4" name="TextBox 3">
+            <a:extLst>
+              <a:ext uri="{FF2B5EF4-FFF2-40B4-BE49-F238E27FC236}">
+                <a16:creationId xmlns:a16="http://schemas.microsoft.com/office/drawing/2014/main" xmlns="" id="{E7404ED1-58F6-4014-997F-6CB48260CB18}"/>
+              </a:ext>
+            </a:extLst>
+          </p:cNvPr>
+          <p:cNvSpPr txBox="1"/>
+          <p:nvPr/>
+        </p:nvSpPr>
+        <p:spPr>
+          <a:xfrm>
+            <a:off x="904557" y="1768500"/>
+            <a:ext cx="16425000" cy="7245000"/>
+          </a:xfrm>
+          <a:prstGeom prst="rect">
+            <a:avLst/>
+          </a:prstGeom>
+          <a:noFill/>
+        </p:spPr>
+        <p:txBody>
+          <a:bodyPr wrap="none" lIns="0" tIns="0" rIns="0" bIns="0" rtlCol="0">
+            <a:noAutofit/>
+          </a:bodyPr>
+          <a:lstStyle/>
+          <a:p>
+            <a:pPr marL="457200" indent="-457200">
+              <a:lnSpc>
+                <a:spcPct val="150000"/>
+              </a:lnSpc>
+              <a:buFont typeface="Arial" panose="020B0604020202020204" pitchFamily="34" charset="0"/>
+              <a:buChar char="•"/>
+            </a:pPr>
+            <a:endParaRPr lang="en-US" sz="3600" dirty="0">
+              <a:solidFill>
+                <a:schemeClr val="bg2">
+                  <a:lumMod val="95000"/>
+                </a:schemeClr>
+              </a:solidFill>
+              <a:latin typeface="Roboto"/>
+              <a:cs typeface="Cordia New" panose="020B0304020202020204" pitchFamily="34" charset="-34"/>
+            </a:endParaRPr>
+          </a:p>
+        </p:txBody>
+      </p:sp>
+      <p:pic>
+        <p:nvPicPr>
+          <p:cNvPr id="2" name="Picture 1"/>
+          <p:cNvPicPr>
+            <a:picLocks noChangeAspect="1"/>
+          </p:cNvPicPr>
+          <p:nvPr/>
+        </p:nvPicPr>
+        <p:blipFill>
+          <a:blip r:embed="rId2"/>
+          <a:stretch>
+            <a:fillRect/>
+          </a:stretch>
+        </p:blipFill>
+        <p:spPr>
+          <a:xfrm>
+            <a:off x="2123325" y="2027736"/>
+            <a:ext cx="13987463" cy="7315200"/>
+          </a:xfrm>
+          <a:prstGeom prst="rect">
+            <a:avLst/>
+          </a:prstGeom>
+        </p:spPr>
+      </p:pic>
+    </p:spTree>
+    <p:extLst>
+      <p:ext uri="{BB962C8B-B14F-4D97-AF65-F5344CB8AC3E}">
+        <p14:creationId xmlns:p14="http://schemas.microsoft.com/office/powerpoint/2010/main" val="4194514798"/>
+      </p:ext>
+    </p:extLst>
+  </p:cSld>
+  <p:clrMapOvr>
+    <a:masterClrMapping/>
+  </p:clrMapOvr>
+  <mc:AlternateContent xmlns:mc="http://schemas.openxmlformats.org/markup-compatibility/2006" xmlns:p14="http://schemas.microsoft.com/office/powerpoint/2010/main">
+    <mc:Choice Requires="p14">
+      <p:transition spd="med" p14:dur="700">
+        <p:fade/>
+      </p:transition>
+    </mc:Choice>
+    <mc:Fallback xmlns="">
+      <p:transition spd="med">
+        <p:fade/>
+      </p:transition>
+    </mc:Fallback>
+  </mc:AlternateContent>
+  <p:timing>
+    <p:tnLst>
+      <p:par>
+        <p:cTn id="1" dur="indefinite" restart="never" nodeType="tmRoot"/>
+      </p:par>
+    </p:tnLst>
+  </p:timing>
+</p:sld>
+</file>
+
+<file path=ppt/slides/slide21.xml><?xml version="1.0" encoding="utf-8"?>
+<p:sld xmlns:a="http://schemas.openxmlformats.org/drawingml/2006/main" xmlns:r="http://schemas.openxmlformats.org/officeDocument/2006/relationships" xmlns:p="http://schemas.openxmlformats.org/presentationml/2006/main">
+  <p:cSld>
+    <p:spTree>
+      <p:nvGrpSpPr>
+        <p:cNvPr id="1" name=""/>
+        <p:cNvGrpSpPr/>
+        <p:nvPr/>
+      </p:nvGrpSpPr>
+      <p:grpSpPr>
+        <a:xfrm>
+          <a:off x="0" y="0"/>
+          <a:ext cx="0" cy="0"/>
+          <a:chOff x="0" y="0"/>
+          <a:chExt cx="0" cy="0"/>
+        </a:xfrm>
+      </p:grpSpPr>
+      <p:sp>
+        <p:nvSpPr>
+          <p:cNvPr id="3" name="Title 2">
+            <a:extLst>
+              <a:ext uri="{FF2B5EF4-FFF2-40B4-BE49-F238E27FC236}">
+                <a16:creationId xmlns:a16="http://schemas.microsoft.com/office/drawing/2014/main" xmlns="" id="{9BE9C5F0-517F-49AB-BB08-EFAA54E30757}"/>
+              </a:ext>
+            </a:extLst>
+          </p:cNvPr>
+          <p:cNvSpPr>
+            <a:spLocks noGrp="1"/>
+          </p:cNvSpPr>
+          <p:nvPr>
+            <p:ph type="title"/>
+          </p:nvPr>
+        </p:nvSpPr>
+        <p:spPr>
+          <a:xfrm>
+            <a:off x="953206" y="409805"/>
+            <a:ext cx="14400000" cy="1043695"/>
+          </a:xfrm>
+        </p:spPr>
+        <p:txBody>
+          <a:bodyPr/>
+          <a:lstStyle/>
+          <a:p>
+            <a:r>
+              <a:rPr lang="en-US" dirty="0"/>
+              <a:t>Install </a:t>
+            </a:r>
+            <a:r>
+              <a:rPr lang="en-US" dirty="0" err="1"/>
+              <a:t>cordova</a:t>
+            </a:r>
+            <a:r>
+              <a:rPr lang="en-US" dirty="0"/>
+              <a:t> via </a:t>
+            </a:r>
+            <a:r>
+              <a:rPr lang="en-US" dirty="0" err="1"/>
+              <a:t>npm</a:t>
+            </a:r>
+            <a:r>
+              <a:rPr lang="en-US" dirty="0"/>
+              <a:t> command</a:t>
+            </a:r>
+            <a:endParaRPr lang="th-TH" dirty="0"/>
+          </a:p>
+        </p:txBody>
+      </p:sp>
+      <p:sp>
+        <p:nvSpPr>
+          <p:cNvPr id="4" name="TextBox 3">
+            <a:extLst>
+              <a:ext uri="{FF2B5EF4-FFF2-40B4-BE49-F238E27FC236}">
+                <a16:creationId xmlns:a16="http://schemas.microsoft.com/office/drawing/2014/main" xmlns="" id="{E7404ED1-58F6-4014-997F-6CB48260CB18}"/>
+              </a:ext>
+            </a:extLst>
+          </p:cNvPr>
+          <p:cNvSpPr txBox="1"/>
+          <p:nvPr/>
+        </p:nvSpPr>
+        <p:spPr>
+          <a:xfrm>
+            <a:off x="904557" y="1768500"/>
+            <a:ext cx="16425000" cy="7245000"/>
+          </a:xfrm>
+          <a:prstGeom prst="rect">
+            <a:avLst/>
+          </a:prstGeom>
+          <a:noFill/>
+        </p:spPr>
+        <p:txBody>
+          <a:bodyPr wrap="none" lIns="0" tIns="0" rIns="0" bIns="0" rtlCol="0">
+            <a:noAutofit/>
+          </a:bodyPr>
+          <a:lstStyle/>
+          <a:p>
+            <a:pPr marL="457200" indent="-457200">
+              <a:lnSpc>
+                <a:spcPct val="150000"/>
+              </a:lnSpc>
+              <a:buFont typeface="Arial" panose="020B0604020202020204" pitchFamily="34" charset="0"/>
+              <a:buChar char="•"/>
+            </a:pPr>
+            <a:endParaRPr lang="en-US" sz="3600" dirty="0">
+              <a:solidFill>
+                <a:schemeClr val="bg2">
+                  <a:lumMod val="95000"/>
+                </a:schemeClr>
+              </a:solidFill>
+              <a:latin typeface="Roboto"/>
+              <a:cs typeface="Cordia New" panose="020B0304020202020204" pitchFamily="34" charset="-34"/>
+            </a:endParaRPr>
+          </a:p>
+        </p:txBody>
+      </p:sp>
+      <p:pic>
+        <p:nvPicPr>
+          <p:cNvPr id="2" name="Picture 1"/>
+          <p:cNvPicPr>
+            <a:picLocks noChangeAspect="1"/>
+          </p:cNvPicPr>
+          <p:nvPr/>
+        </p:nvPicPr>
+        <p:blipFill>
+          <a:blip r:embed="rId2"/>
+          <a:stretch>
+            <a:fillRect/>
+          </a:stretch>
+        </p:blipFill>
+        <p:spPr>
+          <a:xfrm>
+            <a:off x="2123325" y="2022648"/>
+            <a:ext cx="13987463" cy="7315200"/>
+          </a:xfrm>
+          <a:prstGeom prst="rect">
+            <a:avLst/>
+          </a:prstGeom>
+        </p:spPr>
+      </p:pic>
+    </p:spTree>
+    <p:extLst>
+      <p:ext uri="{BB962C8B-B14F-4D97-AF65-F5344CB8AC3E}">
+        <p14:creationId xmlns:p14="http://schemas.microsoft.com/office/powerpoint/2010/main" val="699513352"/>
+      </p:ext>
+    </p:extLst>
+  </p:cSld>
+  <p:clrMapOvr>
+    <a:masterClrMapping/>
+  </p:clrMapOvr>
+  <mc:AlternateContent xmlns:mc="http://schemas.openxmlformats.org/markup-compatibility/2006" xmlns:p14="http://schemas.microsoft.com/office/powerpoint/2010/main">
+    <mc:Choice Requires="p14">
+      <p:transition spd="med" p14:dur="700">
+        <p:fade/>
+      </p:transition>
+    </mc:Choice>
+    <mc:Fallback xmlns="">
+      <p:transition spd="med">
+        <p:fade/>
+      </p:transition>
+    </mc:Fallback>
+  </mc:AlternateContent>
+  <p:timing>
+    <p:tnLst>
+      <p:par>
+        <p:cTn id="1" dur="indefinite" restart="never" nodeType="tmRoot"/>
+      </p:par>
+    </p:tnLst>
+  </p:timing>
+</p:sld>
+</file>
+
+<file path=ppt/slides/slide22.xml><?xml version="1.0" encoding="utf-8"?>
+<p:sld xmlns:a="http://schemas.openxmlformats.org/drawingml/2006/main" xmlns:r="http://schemas.openxmlformats.org/officeDocument/2006/relationships" xmlns:p="http://schemas.openxmlformats.org/presentationml/2006/main">
+  <p:cSld>
+    <p:spTree>
+      <p:nvGrpSpPr>
+        <p:cNvPr id="1" name=""/>
+        <p:cNvGrpSpPr/>
+        <p:nvPr/>
+      </p:nvGrpSpPr>
+      <p:grpSpPr>
+        <a:xfrm>
+          <a:off x="0" y="0"/>
+          <a:ext cx="0" cy="0"/>
+          <a:chOff x="0" y="0"/>
+          <a:chExt cx="0" cy="0"/>
+        </a:xfrm>
+      </p:grpSpPr>
+      <p:sp>
+        <p:nvSpPr>
+          <p:cNvPr id="3" name="Title 2">
+            <a:extLst>
+              <a:ext uri="{FF2B5EF4-FFF2-40B4-BE49-F238E27FC236}">
+                <a16:creationId xmlns:a16="http://schemas.microsoft.com/office/drawing/2014/main" xmlns="" id="{9BE9C5F0-517F-49AB-BB08-EFAA54E30757}"/>
+              </a:ext>
+            </a:extLst>
+          </p:cNvPr>
+          <p:cNvSpPr>
+            <a:spLocks noGrp="1"/>
+          </p:cNvSpPr>
+          <p:nvPr>
+            <p:ph type="title"/>
+          </p:nvPr>
+        </p:nvSpPr>
+        <p:spPr>
+          <a:xfrm>
+            <a:off x="953206" y="409805"/>
+            <a:ext cx="14400000" cy="1043695"/>
+          </a:xfrm>
+        </p:spPr>
+        <p:txBody>
+          <a:bodyPr/>
+          <a:lstStyle/>
+          <a:p>
+            <a:r>
+              <a:rPr lang="en-US" dirty="0" smtClean="0"/>
+              <a:t>Testing</a:t>
+            </a:r>
+            <a:endParaRPr lang="th-TH" dirty="0"/>
+          </a:p>
+        </p:txBody>
+      </p:sp>
+      <p:sp>
+        <p:nvSpPr>
+          <p:cNvPr id="4" name="TextBox 3">
+            <a:extLst>
+              <a:ext uri="{FF2B5EF4-FFF2-40B4-BE49-F238E27FC236}">
+                <a16:creationId xmlns:a16="http://schemas.microsoft.com/office/drawing/2014/main" xmlns="" id="{E7404ED1-58F6-4014-997F-6CB48260CB18}"/>
+              </a:ext>
+            </a:extLst>
+          </p:cNvPr>
+          <p:cNvSpPr txBox="1"/>
+          <p:nvPr/>
+        </p:nvSpPr>
+        <p:spPr>
+          <a:xfrm>
+            <a:off x="904557" y="1768500"/>
+            <a:ext cx="16425000" cy="7245000"/>
+          </a:xfrm>
+          <a:prstGeom prst="rect">
+            <a:avLst/>
+          </a:prstGeom>
+          <a:noFill/>
+        </p:spPr>
+        <p:txBody>
+          <a:bodyPr wrap="none" lIns="0" tIns="0" rIns="0" bIns="0" rtlCol="0">
+            <a:noAutofit/>
+          </a:bodyPr>
+          <a:lstStyle/>
+          <a:p>
+            <a:pPr marL="457200" indent="-457200">
+              <a:lnSpc>
+                <a:spcPct val="150000"/>
+              </a:lnSpc>
+              <a:buFont typeface="Arial" panose="020B0604020202020204" pitchFamily="34" charset="0"/>
+              <a:buChar char="•"/>
+            </a:pPr>
+            <a:endParaRPr lang="en-US" sz="3600" dirty="0">
+              <a:solidFill>
+                <a:schemeClr val="bg2">
+                  <a:lumMod val="95000"/>
+                </a:schemeClr>
+              </a:solidFill>
+              <a:latin typeface="Roboto"/>
+              <a:cs typeface="Cordia New" panose="020B0304020202020204" pitchFamily="34" charset="-34"/>
+            </a:endParaRPr>
+          </a:p>
+        </p:txBody>
+      </p:sp>
+      <p:pic>
+        <p:nvPicPr>
+          <p:cNvPr id="2" name="Picture 1"/>
+          <p:cNvPicPr>
+            <a:picLocks noChangeAspect="1"/>
+          </p:cNvPicPr>
+          <p:nvPr/>
+        </p:nvPicPr>
+        <p:blipFill>
+          <a:blip r:embed="rId2"/>
+          <a:stretch>
+            <a:fillRect/>
+          </a:stretch>
+        </p:blipFill>
+        <p:spPr>
+          <a:xfrm>
+            <a:off x="1400714" y="2008008"/>
+            <a:ext cx="13504984" cy="7315200"/>
+          </a:xfrm>
+          <a:prstGeom prst="rect">
+            <a:avLst/>
+          </a:prstGeom>
+        </p:spPr>
+      </p:pic>
+    </p:spTree>
+    <p:extLst>
+      <p:ext uri="{BB962C8B-B14F-4D97-AF65-F5344CB8AC3E}">
+        <p14:creationId xmlns:p14="http://schemas.microsoft.com/office/powerpoint/2010/main" val="2458988117"/>
+      </p:ext>
+    </p:extLst>
+  </p:cSld>
+  <p:clrMapOvr>
+    <a:masterClrMapping/>
+  </p:clrMapOvr>
+  <mc:AlternateContent xmlns:mc="http://schemas.openxmlformats.org/markup-compatibility/2006" xmlns:p14="http://schemas.microsoft.com/office/powerpoint/2010/main">
+    <mc:Choice Requires="p14">
+      <p:transition spd="med" p14:dur="700">
+        <p:fade/>
+      </p:transition>
+    </mc:Choice>
+    <mc:Fallback xmlns="">
+      <p:transition spd="med">
+        <p:fade/>
+      </p:transition>
+    </mc:Fallback>
+  </mc:AlternateContent>
+  <p:timing>
+    <p:tnLst>
+      <p:par>
+        <p:cTn id="1" dur="indefinite" restart="never" nodeType="tmRoot"/>
+      </p:par>
+    </p:tnLst>
+  </p:timing>
+</p:sld>
+</file>
+
+<file path=ppt/slides/slide23.xml><?xml version="1.0" encoding="utf-8"?>
+<p:sld xmlns:a="http://schemas.openxmlformats.org/drawingml/2006/main" xmlns:r="http://schemas.openxmlformats.org/officeDocument/2006/relationships" xmlns:p="http://schemas.openxmlformats.org/presentationml/2006/main">
+  <p:cSld>
+    <p:spTree>
+      <p:nvGrpSpPr>
+        <p:cNvPr id="1" name=""/>
+        <p:cNvGrpSpPr/>
+        <p:nvPr/>
+      </p:nvGrpSpPr>
+      <p:grpSpPr>
+        <a:xfrm>
+          <a:off x="0" y="0"/>
+          <a:ext cx="0" cy="0"/>
+          <a:chOff x="0" y="0"/>
+          <a:chExt cx="0" cy="0"/>
+        </a:xfrm>
+      </p:grpSpPr>
+      <p:sp>
+        <p:nvSpPr>
+          <p:cNvPr id="4" name="Rectangle 3">
+            <a:extLst>
+              <a:ext uri="{FF2B5EF4-FFF2-40B4-BE49-F238E27FC236}">
+                <a16:creationId xmlns:a16="http://schemas.microsoft.com/office/drawing/2014/main" xmlns="" id="{4C751009-40FF-4250-82BE-6BEFCCD0FD00}"/>
+              </a:ext>
+            </a:extLst>
+          </p:cNvPr>
+          <p:cNvSpPr/>
+          <p:nvPr/>
+        </p:nvSpPr>
+        <p:spPr bwMode="ltGray">
+          <a:xfrm>
+            <a:off x="-1" y="4369383"/>
+            <a:ext cx="18286413" cy="2565000"/>
+          </a:xfrm>
+          <a:prstGeom prst="rect">
+            <a:avLst/>
+          </a:prstGeom>
+          <a:solidFill>
+            <a:srgbClr val="000000">
+              <a:alpha val="50000"/>
+            </a:srgbClr>
+          </a:solidFill>
+          <a:ln w="19050">
+            <a:noFill/>
+          </a:ln>
+        </p:spPr>
+        <p:style>
+          <a:lnRef idx="2">
+            <a:schemeClr val="accent1">
+              <a:shade val="50000"/>
+            </a:schemeClr>
+          </a:lnRef>
+          <a:fillRef idx="1">
+            <a:schemeClr val="accent1"/>
+          </a:fillRef>
+          <a:effectRef idx="0">
+            <a:schemeClr val="accent1"/>
+          </a:effectRef>
+          <a:fontRef idx="minor">
+            <a:schemeClr val="lt1"/>
+          </a:fontRef>
+        </p:style>
+        <p:txBody>
+          <a:bodyPr rtlCol="0" anchor="ctr"/>
+          <a:lstStyle/>
+          <a:p>
+            <a:pPr algn="ctr">
+              <a:lnSpc>
+                <a:spcPct val="90000"/>
+              </a:lnSpc>
+            </a:pPr>
+            <a:endParaRPr lang="th-TH" dirty="0" err="1"/>
+          </a:p>
+        </p:txBody>
+      </p:sp>
+      <p:sp>
+        <p:nvSpPr>
+          <p:cNvPr id="5" name="Rectangle 4">
+            <a:extLst>
+              <a:ext uri="{FF2B5EF4-FFF2-40B4-BE49-F238E27FC236}">
+                <a16:creationId xmlns:a16="http://schemas.microsoft.com/office/drawing/2014/main" xmlns="" id="{79E40005-89A7-4598-9F15-FB7D6854D37C}"/>
+              </a:ext>
+            </a:extLst>
+          </p:cNvPr>
+          <p:cNvSpPr/>
+          <p:nvPr/>
+        </p:nvSpPr>
+        <p:spPr>
+          <a:xfrm>
+            <a:off x="2213206" y="4378500"/>
+            <a:ext cx="14895000" cy="1200329"/>
+          </a:xfrm>
+          <a:prstGeom prst="rect">
+            <a:avLst/>
+          </a:prstGeom>
+        </p:spPr>
+        <p:txBody>
+          <a:bodyPr wrap="square">
+            <a:spAutoFit/>
+          </a:bodyPr>
+          <a:lstStyle/>
+          <a:p>
+            <a:pPr algn="ctr"/>
+            <a:r>
+              <a:rPr lang="en-US" sz="7200" dirty="0" smtClean="0">
+                <a:ln w="10160">
+                  <a:noFill/>
+                  <a:prstDash val="solid"/>
+                </a:ln>
+                <a:solidFill>
+                  <a:schemeClr val="bg1"/>
+                </a:solidFill>
+                <a:latin typeface="Roboto" pitchFamily="2" charset="0"/>
+                <a:ea typeface="Roboto" pitchFamily="2" charset="0"/>
+                <a:cs typeface="DB Helvethaica X 23 UlLiExt" panose="02000506090000020004" pitchFamily="2" charset="-34"/>
+              </a:rPr>
+              <a:t>Have fun.</a:t>
+            </a:r>
+            <a:endParaRPr lang="en-US" sz="7200" dirty="0">
+              <a:ln w="10160">
+                <a:noFill/>
+                <a:prstDash val="solid"/>
+              </a:ln>
+              <a:solidFill>
+                <a:schemeClr val="bg1"/>
+              </a:solidFill>
+              <a:latin typeface="Roboto" pitchFamily="2" charset="0"/>
+              <a:ea typeface="Roboto" pitchFamily="2" charset="0"/>
+              <a:cs typeface="DB Helvethaica X 23 UlLiExt" panose="02000506090000020004" pitchFamily="2" charset="-34"/>
+            </a:endParaRPr>
+          </a:p>
+        </p:txBody>
+      </p:sp>
+    </p:spTree>
+    <p:extLst>
+      <p:ext uri="{BB962C8B-B14F-4D97-AF65-F5344CB8AC3E}">
+        <p14:creationId xmlns:p14="http://schemas.microsoft.com/office/powerpoint/2010/main" val="254783017"/>
+      </p:ext>
+    </p:extLst>
+  </p:cSld>
+  <p:clrMapOvr>
+    <a:masterClrMapping/>
+  </p:clrMapOvr>
+  <mc:AlternateContent xmlns:mc="http://schemas.openxmlformats.org/markup-compatibility/2006" xmlns:p14="http://schemas.microsoft.com/office/powerpoint/2010/main">
+    <mc:Choice Requires="p14">
+      <p:transition spd="med" p14:dur="700">
+        <p:fade/>
+      </p:transition>
+    </mc:Choice>
+    <mc:Fallback xmlns="">
+      <p:transition spd="med">
+        <p:fade/>
+      </p:transition>
+    </mc:Fallback>
+  </mc:AlternateContent>
+  <p:timing>
+    <p:tnLst>
+      <p:par>
+        <p:cTn id="1" dur="indefinite" restart="never" nodeType="tmRoot">
+          <p:childTnLst>
+            <p:seq concurrent="1" nextAc="seek">
+              <p:cTn id="2" dur="indefinite" nodeType="mainSeq">
+                <p:childTnLst>
+                  <p:par>
+                    <p:cTn id="3" fill="hold">
+                      <p:stCondLst>
+                        <p:cond delay="indefinite"/>
+                      </p:stCondLst>
+                      <p:childTnLst>
+                        <p:par>
+                          <p:cTn id="4" fill="hold">
+                            <p:stCondLst>
+                              <p:cond delay="0"/>
+                            </p:stCondLst>
+                            <p:childTnLst>
+                              <p:par>
+                                <p:cTn id="5" presetID="10" presetClass="entr" presetSubtype="0" fill="hold" grpId="0" nodeType="clickEffect">
+                                  <p:stCondLst>
+                                    <p:cond delay="0"/>
+                                  </p:stCondLst>
+                                  <p:childTnLst>
+                                    <p:set>
+                                      <p:cBhvr>
+                                        <p:cTn id="6" dur="1" fill="hold">
+                                          <p:stCondLst>
+                                            <p:cond delay="0"/>
+                                          </p:stCondLst>
+                                        </p:cTn>
+                                        <p:tgtEl>
+                                          <p:spTgt spid="4"/>
+                                        </p:tgtEl>
+                                        <p:attrNameLst>
+                                          <p:attrName>style.visibility</p:attrName>
+                                        </p:attrNameLst>
+                                      </p:cBhvr>
+                                      <p:to>
+                                        <p:strVal val="visible"/>
+                                      </p:to>
+                                    </p:set>
+                                    <p:animEffect transition="in" filter="fade">
+                                      <p:cBhvr>
+                                        <p:cTn id="7" dur="500"/>
+                                        <p:tgtEl>
+                                          <p:spTgt spid="4"/>
+                                        </p:tgtEl>
+                                      </p:cBhvr>
+                                    </p:animEffect>
+                                  </p:childTnLst>
+                                </p:cTn>
+                              </p:par>
+                            </p:childTnLst>
+                          </p:cTn>
+                        </p:par>
+                      </p:childTnLst>
+                    </p:cTn>
+                  </p:par>
+                  <p:par>
+                    <p:cTn id="8" fill="hold">
+                      <p:stCondLst>
+                        <p:cond delay="indefinite"/>
+                      </p:stCondLst>
+                      <p:childTnLst>
+                        <p:par>
+                          <p:cTn id="9" fill="hold">
+                            <p:stCondLst>
+                              <p:cond delay="0"/>
+                            </p:stCondLst>
+                            <p:childTnLst>
+                              <p:par>
+                                <p:cTn id="10" presetID="10" presetClass="entr" presetSubtype="0" fill="hold" grpId="0" nodeType="clickEffect">
+                                  <p:stCondLst>
+                                    <p:cond delay="0"/>
+                                  </p:stCondLst>
+                                  <p:childTnLst>
+                                    <p:set>
+                                      <p:cBhvr>
+                                        <p:cTn id="11" dur="1" fill="hold">
+                                          <p:stCondLst>
+                                            <p:cond delay="0"/>
+                                          </p:stCondLst>
+                                        </p:cTn>
+                                        <p:tgtEl>
+                                          <p:spTgt spid="5"/>
+                                        </p:tgtEl>
+                                        <p:attrNameLst>
+                                          <p:attrName>style.visibility</p:attrName>
+                                        </p:attrNameLst>
+                                      </p:cBhvr>
+                                      <p:to>
+                                        <p:strVal val="visible"/>
+                                      </p:to>
+                                    </p:set>
+                                    <p:animEffect transition="in" filter="fade">
+                                      <p:cBhvr>
+                                        <p:cTn id="12" dur="500"/>
+                                        <p:tgtEl>
+                                          <p:spTgt spid="5"/>
+                                        </p:tgtEl>
+                                      </p:cBhvr>
+                                    </p:animEffect>
+                                  </p:childTnLst>
+                                </p:cTn>
+                              </p:par>
+                            </p:childTnLst>
+                          </p:cTn>
+                        </p:par>
+                      </p:childTnLst>
+                    </p:cTn>
+                  </p:par>
+                </p:childTnLst>
+              </p:cTn>
+              <p:prevCondLst>
+                <p:cond evt="onPrev" delay="0">
+                  <p:tgtEl>
+                    <p:sldTgt/>
+                  </p:tgtEl>
+                </p:cond>
+              </p:prevCondLst>
+              <p:nextCondLst>
+                <p:cond evt="onNext" delay="0">
+                  <p:tgtEl>
+                    <p:sldTgt/>
+                  </p:tgtEl>
+                </p:cond>
+              </p:nextCondLst>
+            </p:seq>
+          </p:childTnLst>
+        </p:cTn>
+      </p:par>
+    </p:tnLst>
+    <p:bldLst>
+      <p:bldP spid="4" grpId="0" animBg="1"/>
+      <p:bldP spid="5" grpId="0"/>
+    </p:bldLst>
   </p:timing>
 </p:sld>
 </file>
@@ -3984,8 +6467,26 @@
                 <a:latin typeface="Roboto"/>
                 <a:cs typeface="Cordia New" panose="020B0304020202020204" pitchFamily="34" charset="-34"/>
               </a:rPr>
-              <a:t>Chapter 2 : </a:t>
-            </a:r>
+              <a:t>Chapter 2 : Infrastructure overview</a:t>
+            </a:r>
+            <a:endParaRPr lang="en-US" sz="3600" dirty="0">
+              <a:solidFill>
+                <a:schemeClr val="bg2">
+                  <a:lumMod val="95000"/>
+                </a:schemeClr>
+              </a:solidFill>
+              <a:latin typeface="Roboto"/>
+              <a:cs typeface="Cordia New" panose="020B0304020202020204" pitchFamily="34" charset="-34"/>
+            </a:endParaRPr>
+          </a:p>
+          <a:p>
+            <a:pPr marL="457200" indent="-457200">
+              <a:lnSpc>
+                <a:spcPct val="150000"/>
+              </a:lnSpc>
+              <a:buFont typeface="Arial" panose="020B0604020202020204" pitchFamily="34" charset="0"/>
+              <a:buChar char="•"/>
+            </a:pPr>
             <a:r>
               <a:rPr lang="en-US" sz="3600" dirty="0" smtClean="0">
                 <a:solidFill>
@@ -3996,49 +6497,7 @@
                 <a:latin typeface="Roboto"/>
                 <a:cs typeface="Cordia New" panose="020B0304020202020204" pitchFamily="34" charset="-34"/>
               </a:rPr>
-              <a:t>Infrastructure overview</a:t>
-            </a:r>
-            <a:endParaRPr lang="en-US" sz="3600" dirty="0">
-              <a:solidFill>
-                <a:schemeClr val="bg2">
-                  <a:lumMod val="95000"/>
-                </a:schemeClr>
-              </a:solidFill>
-              <a:latin typeface="Roboto"/>
-              <a:cs typeface="Cordia New" panose="020B0304020202020204" pitchFamily="34" charset="-34"/>
-            </a:endParaRPr>
-          </a:p>
-          <a:p>
-            <a:pPr marL="457200" indent="-457200">
-              <a:lnSpc>
-                <a:spcPct val="150000"/>
-              </a:lnSpc>
-              <a:buFont typeface="Arial" panose="020B0604020202020204" pitchFamily="34" charset="0"/>
-              <a:buChar char="•"/>
-            </a:pPr>
-            <a:r>
-              <a:rPr lang="en-US" sz="3600" dirty="0" smtClean="0">
-                <a:solidFill>
-                  <a:schemeClr val="bg2">
-                    <a:lumMod val="95000"/>
-                  </a:schemeClr>
-                </a:solidFill>
-                <a:latin typeface="Roboto"/>
-                <a:cs typeface="Cordia New" panose="020B0304020202020204" pitchFamily="34" charset="-34"/>
-              </a:rPr>
-              <a:t>Chapter </a:t>
-            </a:r>
-            <a:r>
-              <a:rPr lang="en-US" sz="3600" dirty="0" smtClean="0">
-                <a:solidFill>
-                  <a:schemeClr val="bg2">
-                    <a:lumMod val="95000"/>
-                  </a:schemeClr>
-                </a:solidFill>
-                <a:latin typeface="Roboto"/>
-                <a:cs typeface="Cordia New" panose="020B0304020202020204" pitchFamily="34" charset="-34"/>
-              </a:rPr>
-              <a:t>3 : Testing</a:t>
+              <a:t>Chapter 3 : Testing</a:t>
             </a:r>
           </a:p>
           <a:p>
@@ -4701,15 +7160,6 @@
               </a:rPr>
               <a:t>Testing command</a:t>
             </a:r>
-            <a:endParaRPr lang="en-US" sz="3600" dirty="0" smtClean="0">
-              <a:solidFill>
-                <a:schemeClr val="bg2">
-                  <a:lumMod val="95000"/>
-                </a:schemeClr>
-              </a:solidFill>
-              <a:latin typeface="Roboto"/>
-              <a:cs typeface="Cordia New" panose="020B0304020202020204" pitchFamily="34" charset="-34"/>
-            </a:endParaRPr>
           </a:p>
           <a:p>
             <a:pPr marL="457200" indent="-457200">
@@ -4800,124 +7250,124 @@
       </p:grpSpPr>
       <p:sp>
         <p:nvSpPr>
-          <p:cNvPr id="4" name="Rectangle 3">
+          <p:cNvPr id="3" name="Title 2">
             <a:extLst>
               <a:ext uri="{FF2B5EF4-FFF2-40B4-BE49-F238E27FC236}">
-                <a16:creationId xmlns:a16="http://schemas.microsoft.com/office/drawing/2014/main" xmlns="" id="{4C751009-40FF-4250-82BE-6BEFCCD0FD00}"/>
+                <a16:creationId xmlns:a16="http://schemas.microsoft.com/office/drawing/2014/main" xmlns="" id="{9BE9C5F0-517F-49AB-BB08-EFAA54E30757}"/>
               </a:ext>
             </a:extLst>
           </p:cNvPr>
-          <p:cNvSpPr/>
-          <p:nvPr/>
+          <p:cNvSpPr>
+            <a:spLocks noGrp="1"/>
+          </p:cNvSpPr>
+          <p:nvPr>
+            <p:ph type="title"/>
+          </p:nvPr>
         </p:nvSpPr>
-        <p:spPr bwMode="ltGray">
+        <p:spPr>
           <a:xfrm>
-            <a:off x="-1" y="4369383"/>
-            <a:ext cx="18286413" cy="2565000"/>
-          </a:xfrm>
-          <a:prstGeom prst="rect">
-            <a:avLst/>
-          </a:prstGeom>
-          <a:solidFill>
-            <a:srgbClr val="000000">
-              <a:alpha val="50000"/>
-            </a:srgbClr>
-          </a:solidFill>
-          <a:ln w="19050">
-            <a:noFill/>
-          </a:ln>
-        </p:spPr>
-        <p:style>
-          <a:lnRef idx="2">
-            <a:schemeClr val="accent1">
-              <a:shade val="50000"/>
-            </a:schemeClr>
-          </a:lnRef>
-          <a:fillRef idx="1">
-            <a:schemeClr val="accent1"/>
-          </a:fillRef>
-          <a:effectRef idx="0">
-            <a:schemeClr val="accent1"/>
-          </a:effectRef>
-          <a:fontRef idx="minor">
-            <a:schemeClr val="lt1"/>
-          </a:fontRef>
-        </p:style>
+            <a:off x="953206" y="409805"/>
+            <a:ext cx="14400000" cy="1043695"/>
+          </a:xfrm>
+        </p:spPr>
         <p:txBody>
-          <a:bodyPr rtlCol="0" anchor="ctr"/>
+          <a:bodyPr/>
           <a:lstStyle/>
           <a:p>
-            <a:pPr algn="ctr">
-              <a:lnSpc>
-                <a:spcPct val="90000"/>
-              </a:lnSpc>
-            </a:pPr>
-            <a:endParaRPr lang="th-TH" dirty="0" err="1"/>
+            <a:r>
+              <a:rPr lang="en-US" dirty="0"/>
+              <a:t>Install </a:t>
+            </a:r>
+            <a:r>
+              <a:rPr lang="en-US" dirty="0" err="1"/>
+              <a:t>NodeJS</a:t>
+            </a:r>
+            <a:r>
+              <a:rPr lang="en-US" dirty="0"/>
+              <a:t/>
+            </a:r>
+            <a:br>
+              <a:rPr lang="en-US" dirty="0"/>
+            </a:br>
+            <a:endParaRPr lang="th-TH" dirty="0"/>
           </a:p>
         </p:txBody>
       </p:sp>
       <p:sp>
         <p:nvSpPr>
-          <p:cNvPr id="5" name="Rectangle 4">
+          <p:cNvPr id="4" name="TextBox 3">
             <a:extLst>
               <a:ext uri="{FF2B5EF4-FFF2-40B4-BE49-F238E27FC236}">
-                <a16:creationId xmlns:a16="http://schemas.microsoft.com/office/drawing/2014/main" xmlns="" id="{79E40005-89A7-4598-9F15-FB7D6854D37C}"/>
+                <a16:creationId xmlns:a16="http://schemas.microsoft.com/office/drawing/2014/main" xmlns="" id="{E7404ED1-58F6-4014-997F-6CB48260CB18}"/>
               </a:ext>
             </a:extLst>
           </p:cNvPr>
-          <p:cNvSpPr/>
+          <p:cNvSpPr txBox="1"/>
           <p:nvPr/>
         </p:nvSpPr>
         <p:spPr>
           <a:xfrm>
-            <a:off x="2213206" y="4378500"/>
-            <a:ext cx="14895000" cy="1200329"/>
+            <a:off x="904557" y="1768500"/>
+            <a:ext cx="16425000" cy="7245000"/>
           </a:xfrm>
           <a:prstGeom prst="rect">
             <a:avLst/>
           </a:prstGeom>
+          <a:noFill/>
         </p:spPr>
         <p:txBody>
-          <a:bodyPr wrap="square">
-            <a:spAutoFit/>
+          <a:bodyPr wrap="none" lIns="0" tIns="0" rIns="0" bIns="0" rtlCol="0">
+            <a:noAutofit/>
           </a:bodyPr>
           <a:lstStyle/>
           <a:p>
-            <a:pPr algn="ctr"/>
-            <a:r>
-              <a:rPr lang="en-US" sz="7200" dirty="0" smtClean="0">
-                <a:ln w="10160">
-                  <a:noFill/>
-                  <a:prstDash val="solid"/>
-                </a:ln>
-                <a:solidFill>
-                  <a:schemeClr val="bg1"/>
-                </a:solidFill>
-                <a:latin typeface="Roboto" pitchFamily="2" charset="0"/>
-                <a:ea typeface="Roboto" pitchFamily="2" charset="0"/>
-                <a:cs typeface="DB Helvethaica X 23 UlLiExt" panose="02000506090000020004" pitchFamily="2" charset="-34"/>
-              </a:rPr>
-              <a:t>Have fun.</a:t>
-            </a:r>
-            <a:endParaRPr lang="en-US" sz="7200" dirty="0">
-              <a:ln w="10160">
-                <a:noFill/>
-                <a:prstDash val="solid"/>
-              </a:ln>
+            <a:pPr marL="457200" indent="-457200">
+              <a:lnSpc>
+                <a:spcPct val="150000"/>
+              </a:lnSpc>
+              <a:buFont typeface="Arial" panose="020B0604020202020204" pitchFamily="34" charset="0"/>
+              <a:buChar char="•"/>
+            </a:pPr>
+            <a:endParaRPr lang="en-US" sz="3600" dirty="0">
               <a:solidFill>
-                <a:schemeClr val="bg1"/>
+                <a:schemeClr val="bg2">
+                  <a:lumMod val="95000"/>
+                </a:schemeClr>
               </a:solidFill>
-              <a:latin typeface="Roboto" pitchFamily="2" charset="0"/>
-              <a:ea typeface="Roboto" pitchFamily="2" charset="0"/>
-              <a:cs typeface="DB Helvethaica X 23 UlLiExt" panose="02000506090000020004" pitchFamily="2" charset="-34"/>
+              <a:latin typeface="Roboto"/>
+              <a:cs typeface="Cordia New" panose="020B0304020202020204" pitchFamily="34" charset="-34"/>
             </a:endParaRPr>
           </a:p>
         </p:txBody>
       </p:sp>
+      <p:pic>
+        <p:nvPicPr>
+          <p:cNvPr id="2" name="Picture 1"/>
+          <p:cNvPicPr>
+            <a:picLocks noChangeAspect="1"/>
+          </p:cNvPicPr>
+          <p:nvPr/>
+        </p:nvPicPr>
+        <p:blipFill>
+          <a:blip r:embed="rId2"/>
+          <a:stretch>
+            <a:fillRect/>
+          </a:stretch>
+        </p:blipFill>
+        <p:spPr>
+          <a:xfrm>
+            <a:off x="1869800" y="2013300"/>
+            <a:ext cx="14494514" cy="7315200"/>
+          </a:xfrm>
+          <a:prstGeom prst="rect">
+            <a:avLst/>
+          </a:prstGeom>
+        </p:spPr>
+      </p:pic>
     </p:spTree>
     <p:extLst>
       <p:ext uri="{BB962C8B-B14F-4D97-AF65-F5344CB8AC3E}">
-        <p14:creationId xmlns:p14="http://schemas.microsoft.com/office/powerpoint/2010/main" val="254783017"/>
+        <p14:creationId xmlns:p14="http://schemas.microsoft.com/office/powerpoint/2010/main" val="2786140126"/>
       </p:ext>
     </p:extLst>
   </p:cSld>
@@ -4939,142 +7389,339 @@
   <p:timing>
     <p:tnLst>
       <p:par>
-        <p:cTn id="1" dur="indefinite" restart="never" nodeType="tmRoot">
-          <p:childTnLst>
-            <p:seq concurrent="1" nextAc="seek">
-              <p:cTn id="2" dur="indefinite" nodeType="mainSeq">
-                <p:childTnLst>
-                  <p:par>
-                    <p:cTn id="3" fill="hold">
-                      <p:stCondLst>
-                        <p:cond delay="indefinite"/>
-                      </p:stCondLst>
-                      <p:childTnLst>
-                        <p:par>
-                          <p:cTn id="4" fill="hold">
-                            <p:stCondLst>
-                              <p:cond delay="0"/>
-                            </p:stCondLst>
-                            <p:childTnLst>
-                              <p:par>
-                                <p:cTn id="5" presetID="10" presetClass="entr" presetSubtype="0" fill="hold" grpId="0" nodeType="clickEffect">
-                                  <p:stCondLst>
-                                    <p:cond delay="0"/>
-                                  </p:stCondLst>
-                                  <p:childTnLst>
-                                    <p:set>
-                                      <p:cBhvr>
-                                        <p:cTn id="6" dur="1" fill="hold">
-                                          <p:stCondLst>
-                                            <p:cond delay="0"/>
-                                          </p:stCondLst>
-                                        </p:cTn>
-                                        <p:tgtEl>
-                                          <p:spTgt spid="4"/>
-                                        </p:tgtEl>
-                                        <p:attrNameLst>
-                                          <p:attrName>style.visibility</p:attrName>
-                                        </p:attrNameLst>
-                                      </p:cBhvr>
-                                      <p:to>
-                                        <p:strVal val="visible"/>
-                                      </p:to>
-                                    </p:set>
-                                    <p:animEffect transition="in" filter="fade">
-                                      <p:cBhvr>
-                                        <p:cTn id="7" dur="500"/>
-                                        <p:tgtEl>
-                                          <p:spTgt spid="4"/>
-                                        </p:tgtEl>
-                                      </p:cBhvr>
-                                    </p:animEffect>
-                                  </p:childTnLst>
-                                </p:cTn>
-                              </p:par>
-                            </p:childTnLst>
-                          </p:cTn>
-                        </p:par>
-                      </p:childTnLst>
-                    </p:cTn>
-                  </p:par>
-                  <p:par>
-                    <p:cTn id="8" fill="hold">
-                      <p:stCondLst>
-                        <p:cond delay="indefinite"/>
-                      </p:stCondLst>
-                      <p:childTnLst>
-                        <p:par>
-                          <p:cTn id="9" fill="hold">
-                            <p:stCondLst>
-                              <p:cond delay="0"/>
-                            </p:stCondLst>
-                            <p:childTnLst>
-                              <p:par>
-                                <p:cTn id="10" presetID="10" presetClass="entr" presetSubtype="0" fill="hold" grpId="0" nodeType="clickEffect">
-                                  <p:stCondLst>
-                                    <p:cond delay="0"/>
-                                  </p:stCondLst>
-                                  <p:childTnLst>
-                                    <p:set>
-                                      <p:cBhvr>
-                                        <p:cTn id="11" dur="1" fill="hold">
-                                          <p:stCondLst>
-                                            <p:cond delay="0"/>
-                                          </p:stCondLst>
-                                        </p:cTn>
-                                        <p:tgtEl>
-                                          <p:spTgt spid="5"/>
-                                        </p:tgtEl>
-                                        <p:attrNameLst>
-                                          <p:attrName>style.visibility</p:attrName>
-                                        </p:attrNameLst>
-                                      </p:cBhvr>
-                                      <p:to>
-                                        <p:strVal val="visible"/>
-                                      </p:to>
-                                    </p:set>
-                                    <p:animEffect transition="in" filter="fade">
-                                      <p:cBhvr>
-                                        <p:cTn id="12" dur="500"/>
-                                        <p:tgtEl>
-                                          <p:spTgt spid="5"/>
-                                        </p:tgtEl>
-                                      </p:cBhvr>
-                                    </p:animEffect>
-                                  </p:childTnLst>
-                                </p:cTn>
-                              </p:par>
-                            </p:childTnLst>
-                          </p:cTn>
-                        </p:par>
-                      </p:childTnLst>
-                    </p:cTn>
-                  </p:par>
-                </p:childTnLst>
-              </p:cTn>
-              <p:prevCondLst>
-                <p:cond evt="onPrev" delay="0">
-                  <p:tgtEl>
-                    <p:sldTgt/>
-                  </p:tgtEl>
-                </p:cond>
-              </p:prevCondLst>
-              <p:nextCondLst>
-                <p:cond evt="onNext" delay="0">
-                  <p:tgtEl>
-                    <p:sldTgt/>
-                  </p:tgtEl>
-                </p:cond>
-              </p:nextCondLst>
-            </p:seq>
-          </p:childTnLst>
-        </p:cTn>
+        <p:cTn id="1" dur="indefinite" restart="never" nodeType="tmRoot"/>
       </p:par>
     </p:tnLst>
-    <p:bldLst>
-      <p:bldP spid="4" grpId="0" animBg="1"/>
-      <p:bldP spid="5" grpId="0"/>
-    </p:bldLst>
+  </p:timing>
+</p:sld>
+</file>
+
+<file path=ppt/slides/slide8.xml><?xml version="1.0" encoding="utf-8"?>
+<p:sld xmlns:a="http://schemas.openxmlformats.org/drawingml/2006/main" xmlns:r="http://schemas.openxmlformats.org/officeDocument/2006/relationships" xmlns:p="http://schemas.openxmlformats.org/presentationml/2006/main">
+  <p:cSld>
+    <p:spTree>
+      <p:nvGrpSpPr>
+        <p:cNvPr id="1" name=""/>
+        <p:cNvGrpSpPr/>
+        <p:nvPr/>
+      </p:nvGrpSpPr>
+      <p:grpSpPr>
+        <a:xfrm>
+          <a:off x="0" y="0"/>
+          <a:ext cx="0" cy="0"/>
+          <a:chOff x="0" y="0"/>
+          <a:chExt cx="0" cy="0"/>
+        </a:xfrm>
+      </p:grpSpPr>
+      <p:sp>
+        <p:nvSpPr>
+          <p:cNvPr id="3" name="Title 2">
+            <a:extLst>
+              <a:ext uri="{FF2B5EF4-FFF2-40B4-BE49-F238E27FC236}">
+                <a16:creationId xmlns:a16="http://schemas.microsoft.com/office/drawing/2014/main" xmlns="" id="{9BE9C5F0-517F-49AB-BB08-EFAA54E30757}"/>
+              </a:ext>
+            </a:extLst>
+          </p:cNvPr>
+          <p:cNvSpPr>
+            <a:spLocks noGrp="1"/>
+          </p:cNvSpPr>
+          <p:nvPr>
+            <p:ph type="title"/>
+          </p:nvPr>
+        </p:nvSpPr>
+        <p:spPr>
+          <a:xfrm>
+            <a:off x="953206" y="409805"/>
+            <a:ext cx="14400000" cy="1043695"/>
+          </a:xfrm>
+        </p:spPr>
+        <p:txBody>
+          <a:bodyPr/>
+          <a:lstStyle/>
+          <a:p>
+            <a:r>
+              <a:rPr lang="en-US" dirty="0"/>
+              <a:t>Install </a:t>
+            </a:r>
+            <a:r>
+              <a:rPr lang="en-US" dirty="0" err="1"/>
+              <a:t>NodeJS</a:t>
+            </a:r>
+            <a:r>
+              <a:rPr lang="en-US" dirty="0"/>
+              <a:t/>
+            </a:r>
+            <a:br>
+              <a:rPr lang="en-US" dirty="0"/>
+            </a:br>
+            <a:endParaRPr lang="th-TH" dirty="0"/>
+          </a:p>
+        </p:txBody>
+      </p:sp>
+      <p:sp>
+        <p:nvSpPr>
+          <p:cNvPr id="4" name="TextBox 3">
+            <a:extLst>
+              <a:ext uri="{FF2B5EF4-FFF2-40B4-BE49-F238E27FC236}">
+                <a16:creationId xmlns:a16="http://schemas.microsoft.com/office/drawing/2014/main" xmlns="" id="{E7404ED1-58F6-4014-997F-6CB48260CB18}"/>
+              </a:ext>
+            </a:extLst>
+          </p:cNvPr>
+          <p:cNvSpPr txBox="1"/>
+          <p:nvPr/>
+        </p:nvSpPr>
+        <p:spPr>
+          <a:xfrm>
+            <a:off x="904557" y="1768500"/>
+            <a:ext cx="16425000" cy="7245000"/>
+          </a:xfrm>
+          <a:prstGeom prst="rect">
+            <a:avLst/>
+          </a:prstGeom>
+          <a:noFill/>
+        </p:spPr>
+        <p:txBody>
+          <a:bodyPr wrap="none" lIns="0" tIns="0" rIns="0" bIns="0" rtlCol="0">
+            <a:noAutofit/>
+          </a:bodyPr>
+          <a:lstStyle/>
+          <a:p>
+            <a:pPr marL="457200" indent="-457200">
+              <a:lnSpc>
+                <a:spcPct val="150000"/>
+              </a:lnSpc>
+              <a:buFont typeface="Arial" panose="020B0604020202020204" pitchFamily="34" charset="0"/>
+              <a:buChar char="•"/>
+            </a:pPr>
+            <a:endParaRPr lang="en-US" sz="3600" dirty="0">
+              <a:solidFill>
+                <a:schemeClr val="bg2">
+                  <a:lumMod val="95000"/>
+                </a:schemeClr>
+              </a:solidFill>
+              <a:latin typeface="Roboto"/>
+              <a:cs typeface="Cordia New" panose="020B0304020202020204" pitchFamily="34" charset="-34"/>
+            </a:endParaRPr>
+          </a:p>
+        </p:txBody>
+      </p:sp>
+      <p:pic>
+        <p:nvPicPr>
+          <p:cNvPr id="5" name="Picture 4"/>
+          <p:cNvPicPr>
+            <a:picLocks noChangeAspect="1"/>
+          </p:cNvPicPr>
+          <p:nvPr/>
+        </p:nvPicPr>
+        <p:blipFill>
+          <a:blip r:embed="rId2"/>
+          <a:stretch>
+            <a:fillRect/>
+          </a:stretch>
+        </p:blipFill>
+        <p:spPr>
+          <a:xfrm>
+            <a:off x="4438731" y="1733400"/>
+            <a:ext cx="9356652" cy="7315200"/>
+          </a:xfrm>
+          <a:prstGeom prst="rect">
+            <a:avLst/>
+          </a:prstGeom>
+        </p:spPr>
+      </p:pic>
+    </p:spTree>
+    <p:extLst>
+      <p:ext uri="{BB962C8B-B14F-4D97-AF65-F5344CB8AC3E}">
+        <p14:creationId xmlns:p14="http://schemas.microsoft.com/office/powerpoint/2010/main" val="922986655"/>
+      </p:ext>
+    </p:extLst>
+  </p:cSld>
+  <p:clrMapOvr>
+    <a:masterClrMapping/>
+  </p:clrMapOvr>
+  <mc:AlternateContent xmlns:mc="http://schemas.openxmlformats.org/markup-compatibility/2006" xmlns:p14="http://schemas.microsoft.com/office/powerpoint/2010/main">
+    <mc:Choice Requires="p14">
+      <p:transition spd="med" p14:dur="700">
+        <p:fade/>
+      </p:transition>
+    </mc:Choice>
+    <mc:Fallback xmlns="">
+      <p:transition spd="med">
+        <p:fade/>
+      </p:transition>
+    </mc:Fallback>
+  </mc:AlternateContent>
+  <p:timing>
+    <p:tnLst>
+      <p:par>
+        <p:cTn id="1" dur="indefinite" restart="never" nodeType="tmRoot"/>
+      </p:par>
+    </p:tnLst>
+  </p:timing>
+</p:sld>
+</file>
+
+<file path=ppt/slides/slide9.xml><?xml version="1.0" encoding="utf-8"?>
+<p:sld xmlns:a="http://schemas.openxmlformats.org/drawingml/2006/main" xmlns:r="http://schemas.openxmlformats.org/officeDocument/2006/relationships" xmlns:p="http://schemas.openxmlformats.org/presentationml/2006/main">
+  <p:cSld>
+    <p:spTree>
+      <p:nvGrpSpPr>
+        <p:cNvPr id="1" name=""/>
+        <p:cNvGrpSpPr/>
+        <p:nvPr/>
+      </p:nvGrpSpPr>
+      <p:grpSpPr>
+        <a:xfrm>
+          <a:off x="0" y="0"/>
+          <a:ext cx="0" cy="0"/>
+          <a:chOff x="0" y="0"/>
+          <a:chExt cx="0" cy="0"/>
+        </a:xfrm>
+      </p:grpSpPr>
+      <p:sp>
+        <p:nvSpPr>
+          <p:cNvPr id="3" name="Title 2">
+            <a:extLst>
+              <a:ext uri="{FF2B5EF4-FFF2-40B4-BE49-F238E27FC236}">
+                <a16:creationId xmlns:a16="http://schemas.microsoft.com/office/drawing/2014/main" xmlns="" id="{9BE9C5F0-517F-49AB-BB08-EFAA54E30757}"/>
+              </a:ext>
+            </a:extLst>
+          </p:cNvPr>
+          <p:cNvSpPr>
+            <a:spLocks noGrp="1"/>
+          </p:cNvSpPr>
+          <p:nvPr>
+            <p:ph type="title"/>
+          </p:nvPr>
+        </p:nvSpPr>
+        <p:spPr>
+          <a:xfrm>
+            <a:off x="953206" y="409805"/>
+            <a:ext cx="14400000" cy="1043695"/>
+          </a:xfrm>
+        </p:spPr>
+        <p:txBody>
+          <a:bodyPr/>
+          <a:lstStyle/>
+          <a:p>
+            <a:r>
+              <a:rPr lang="en-US" dirty="0"/>
+              <a:t>Install </a:t>
+            </a:r>
+            <a:r>
+              <a:rPr lang="en-US" dirty="0" err="1"/>
+              <a:t>NodeJS</a:t>
+            </a:r>
+            <a:r>
+              <a:rPr lang="en-US" dirty="0"/>
+              <a:t/>
+            </a:r>
+            <a:br>
+              <a:rPr lang="en-US" dirty="0"/>
+            </a:br>
+            <a:endParaRPr lang="th-TH" dirty="0"/>
+          </a:p>
+        </p:txBody>
+      </p:sp>
+      <p:sp>
+        <p:nvSpPr>
+          <p:cNvPr id="4" name="TextBox 3">
+            <a:extLst>
+              <a:ext uri="{FF2B5EF4-FFF2-40B4-BE49-F238E27FC236}">
+                <a16:creationId xmlns:a16="http://schemas.microsoft.com/office/drawing/2014/main" xmlns="" id="{E7404ED1-58F6-4014-997F-6CB48260CB18}"/>
+              </a:ext>
+            </a:extLst>
+          </p:cNvPr>
+          <p:cNvSpPr txBox="1"/>
+          <p:nvPr/>
+        </p:nvSpPr>
+        <p:spPr>
+          <a:xfrm>
+            <a:off x="904557" y="1768500"/>
+            <a:ext cx="16425000" cy="7245000"/>
+          </a:xfrm>
+          <a:prstGeom prst="rect">
+            <a:avLst/>
+          </a:prstGeom>
+          <a:noFill/>
+        </p:spPr>
+        <p:txBody>
+          <a:bodyPr wrap="none" lIns="0" tIns="0" rIns="0" bIns="0" rtlCol="0">
+            <a:noAutofit/>
+          </a:bodyPr>
+          <a:lstStyle/>
+          <a:p>
+            <a:pPr marL="457200" indent="-457200">
+              <a:lnSpc>
+                <a:spcPct val="150000"/>
+              </a:lnSpc>
+              <a:buFont typeface="Arial" panose="020B0604020202020204" pitchFamily="34" charset="0"/>
+              <a:buChar char="•"/>
+            </a:pPr>
+            <a:endParaRPr lang="en-US" sz="3600" dirty="0">
+              <a:solidFill>
+                <a:schemeClr val="bg2">
+                  <a:lumMod val="95000"/>
+                </a:schemeClr>
+              </a:solidFill>
+              <a:latin typeface="Roboto"/>
+              <a:cs typeface="Cordia New" panose="020B0304020202020204" pitchFamily="34" charset="-34"/>
+            </a:endParaRPr>
+          </a:p>
+        </p:txBody>
+      </p:sp>
+      <p:pic>
+        <p:nvPicPr>
+          <p:cNvPr id="6" name="Picture 5"/>
+          <p:cNvPicPr>
+            <a:picLocks noChangeAspect="1"/>
+          </p:cNvPicPr>
+          <p:nvPr/>
+        </p:nvPicPr>
+        <p:blipFill>
+          <a:blip r:embed="rId2"/>
+          <a:stretch>
+            <a:fillRect/>
+          </a:stretch>
+        </p:blipFill>
+        <p:spPr>
+          <a:xfrm>
+            <a:off x="4438731" y="2011344"/>
+            <a:ext cx="9356652" cy="7315200"/>
+          </a:xfrm>
+          <a:prstGeom prst="rect">
+            <a:avLst/>
+          </a:prstGeom>
+        </p:spPr>
+      </p:pic>
+    </p:spTree>
+    <p:extLst>
+      <p:ext uri="{BB962C8B-B14F-4D97-AF65-F5344CB8AC3E}">
+        <p14:creationId xmlns:p14="http://schemas.microsoft.com/office/powerpoint/2010/main" val="1318104002"/>
+      </p:ext>
+    </p:extLst>
+  </p:cSld>
+  <p:clrMapOvr>
+    <a:masterClrMapping/>
+  </p:clrMapOvr>
+  <mc:AlternateContent xmlns:mc="http://schemas.openxmlformats.org/markup-compatibility/2006" xmlns:p14="http://schemas.microsoft.com/office/powerpoint/2010/main">
+    <mc:Choice Requires="p14">
+      <p:transition spd="med" p14:dur="700">
+        <p:fade/>
+      </p:transition>
+    </mc:Choice>
+    <mc:Fallback xmlns="">
+      <p:transition spd="med">
+        <p:fade/>
+      </p:transition>
+    </mc:Fallback>
+  </mc:AlternateContent>
+  <p:timing>
+    <p:tnLst>
+      <p:par>
+        <p:cTn id="1" dur="indefinite" restart="never" nodeType="tmRoot"/>
+      </p:par>
+    </p:tnLst>
   </p:timing>
 </p:sld>
 </file>
